--- a/ML-DL_MIMIC-IV_ARF_MORTALITY_PREDICTION.pptx
+++ b/ML-DL_MIMIC-IV_ARF_MORTALITY_PREDICTION.pptx
@@ -139,7 +139,7 @@
 <file path=ppt/revisionInfo.xml><?xml version="1.0" encoding="utf-8"?>
 <p1510:revInfo xmlns:a="http://schemas.openxmlformats.org/drawingml/2006/main" xmlns:r="http://schemas.openxmlformats.org/officeDocument/2006/relationships" xmlns:p1510="http://schemas.microsoft.com/office/powerpoint/2015/10/main">
   <p1510:revLst>
-    <p1510:client id="{EA18AD7C-6F8C-4689-84D1-1E08637A6EED}" v="71" dt="2025-03-20T17:01:48.884"/>
+    <p1510:client id="{EA18AD7C-6F8C-4689-84D1-1E08637A6EED}" v="77" dt="2025-03-20T17:33:00.674"/>
   </p1510:revLst>
 </p1510:revInfo>
 </file>
@@ -149,7 +149,7 @@
   <pc:docChgLst>
     <pc:chgData name="Ankita Savaliya" userId="a07c5e3212429836" providerId="LiveId" clId="{EA18AD7C-6F8C-4689-84D1-1E08637A6EED}"/>
     <pc:docChg chg="undo redo custSel addSld delSld modSld sldOrd">
-      <pc:chgData name="Ankita Savaliya" userId="a07c5e3212429836" providerId="LiveId" clId="{EA18AD7C-6F8C-4689-84D1-1E08637A6EED}" dt="2025-03-20T17:01:53.863" v="4615" actId="20577"/>
+      <pc:chgData name="Ankita Savaliya" userId="a07c5e3212429836" providerId="LiveId" clId="{EA18AD7C-6F8C-4689-84D1-1E08637A6EED}" dt="2025-03-20T19:14:30.484" v="4862" actId="255"/>
       <pc:docMkLst>
         <pc:docMk/>
       </pc:docMkLst>
@@ -873,7 +873,7 @@
         </pc:cxnChg>
       </pc:sldChg>
       <pc:sldChg chg="addSp delSp modSp new mod">
-        <pc:chgData name="Ankita Savaliya" userId="a07c5e3212429836" providerId="LiveId" clId="{EA18AD7C-6F8C-4689-84D1-1E08637A6EED}" dt="2025-03-20T17:01:53.863" v="4615" actId="20577"/>
+        <pc:chgData name="Ankita Savaliya" userId="a07c5e3212429836" providerId="LiveId" clId="{EA18AD7C-6F8C-4689-84D1-1E08637A6EED}" dt="2025-03-20T17:14:49.232" v="4618" actId="255"/>
         <pc:sldMkLst>
           <pc:docMk/>
           <pc:sldMk cId="1857548207" sldId="259"/>
@@ -887,7 +887,7 @@
           </ac:spMkLst>
         </pc:spChg>
         <pc:spChg chg="mod">
-          <ac:chgData name="Ankita Savaliya" userId="a07c5e3212429836" providerId="LiveId" clId="{EA18AD7C-6F8C-4689-84D1-1E08637A6EED}" dt="2025-03-20T17:01:53.863" v="4615" actId="20577"/>
+          <ac:chgData name="Ankita Savaliya" userId="a07c5e3212429836" providerId="LiveId" clId="{EA18AD7C-6F8C-4689-84D1-1E08637A6EED}" dt="2025-03-20T17:14:49.232" v="4618" actId="255"/>
           <ac:spMkLst>
             <pc:docMk/>
             <pc:sldMk cId="1857548207" sldId="259"/>
@@ -936,7 +936,7 @@
         </pc:spChg>
       </pc:sldChg>
       <pc:sldChg chg="addSp delSp modSp new mod">
-        <pc:chgData name="Ankita Savaliya" userId="a07c5e3212429836" providerId="LiveId" clId="{EA18AD7C-6F8C-4689-84D1-1E08637A6EED}" dt="2025-03-20T12:40:07.355" v="2289" actId="207"/>
+        <pc:chgData name="Ankita Savaliya" userId="a07c5e3212429836" providerId="LiveId" clId="{EA18AD7C-6F8C-4689-84D1-1E08637A6EED}" dt="2025-03-20T17:17:31.483" v="4631" actId="255"/>
         <pc:sldMkLst>
           <pc:docMk/>
           <pc:sldMk cId="2921924057" sldId="260"/>
@@ -958,7 +958,7 @@
           </ac:spMkLst>
         </pc:spChg>
         <pc:spChg chg="add mod">
-          <ac:chgData name="Ankita Savaliya" userId="a07c5e3212429836" providerId="LiveId" clId="{EA18AD7C-6F8C-4689-84D1-1E08637A6EED}" dt="2025-03-20T12:40:07.355" v="2289" actId="207"/>
+          <ac:chgData name="Ankita Savaliya" userId="a07c5e3212429836" providerId="LiveId" clId="{EA18AD7C-6F8C-4689-84D1-1E08637A6EED}" dt="2025-03-20T17:17:31.483" v="4631" actId="255"/>
           <ac:spMkLst>
             <pc:docMk/>
             <pc:sldMk cId="2921924057" sldId="260"/>
@@ -983,7 +983,7 @@
         </pc:picChg>
       </pc:sldChg>
       <pc:sldChg chg="addSp delSp modSp new mod">
-        <pc:chgData name="Ankita Savaliya" userId="a07c5e3212429836" providerId="LiveId" clId="{EA18AD7C-6F8C-4689-84D1-1E08637A6EED}" dt="2025-03-20T12:34:51.332" v="2264" actId="255"/>
+        <pc:chgData name="Ankita Savaliya" userId="a07c5e3212429836" providerId="LiveId" clId="{EA18AD7C-6F8C-4689-84D1-1E08637A6EED}" dt="2025-03-20T17:17:25.756" v="4630" actId="255"/>
         <pc:sldMkLst>
           <pc:docMk/>
           <pc:sldMk cId="370417029" sldId="261"/>
@@ -1005,7 +1005,7 @@
           </ac:spMkLst>
         </pc:spChg>
         <pc:spChg chg="add mod">
-          <ac:chgData name="Ankita Savaliya" userId="a07c5e3212429836" providerId="LiveId" clId="{EA18AD7C-6F8C-4689-84D1-1E08637A6EED}" dt="2025-03-20T02:33:28.172" v="1687" actId="1076"/>
+          <ac:chgData name="Ankita Savaliya" userId="a07c5e3212429836" providerId="LiveId" clId="{EA18AD7C-6F8C-4689-84D1-1E08637A6EED}" dt="2025-03-20T17:17:25.756" v="4630" actId="255"/>
           <ac:spMkLst>
             <pc:docMk/>
             <pc:sldMk cId="370417029" sldId="261"/>
@@ -1085,7 +1085,7 @@
         </pc:picChg>
       </pc:sldChg>
       <pc:sldChg chg="addSp delSp modSp new mod">
-        <pc:chgData name="Ankita Savaliya" userId="a07c5e3212429836" providerId="LiveId" clId="{EA18AD7C-6F8C-4689-84D1-1E08637A6EED}" dt="2025-03-20T12:40:40.469" v="2293" actId="1076"/>
+        <pc:chgData name="Ankita Savaliya" userId="a07c5e3212429836" providerId="LiveId" clId="{EA18AD7C-6F8C-4689-84D1-1E08637A6EED}" dt="2025-03-20T17:17:21.044" v="4629" actId="255"/>
         <pc:sldMkLst>
           <pc:docMk/>
           <pc:sldMk cId="1482085952" sldId="263"/>
@@ -1099,7 +1099,7 @@
           </ac:spMkLst>
         </pc:spChg>
         <pc:spChg chg="mod">
-          <ac:chgData name="Ankita Savaliya" userId="a07c5e3212429836" providerId="LiveId" clId="{EA18AD7C-6F8C-4689-84D1-1E08637A6EED}" dt="2025-03-20T12:40:40.469" v="2293" actId="1076"/>
+          <ac:chgData name="Ankita Savaliya" userId="a07c5e3212429836" providerId="LiveId" clId="{EA18AD7C-6F8C-4689-84D1-1E08637A6EED}" dt="2025-03-20T17:17:21.044" v="4629" actId="255"/>
           <ac:spMkLst>
             <pc:docMk/>
             <pc:sldMk cId="1482085952" sldId="263"/>
@@ -1124,7 +1124,7 @@
         </pc:picChg>
       </pc:sldChg>
       <pc:sldChg chg="addSp delSp modSp add mod">
-        <pc:chgData name="Ankita Savaliya" userId="a07c5e3212429836" providerId="LiveId" clId="{EA18AD7C-6F8C-4689-84D1-1E08637A6EED}" dt="2025-03-20T12:34:19.128" v="2260" actId="255"/>
+        <pc:chgData name="Ankita Savaliya" userId="a07c5e3212429836" providerId="LiveId" clId="{EA18AD7C-6F8C-4689-84D1-1E08637A6EED}" dt="2025-03-20T17:17:13.436" v="4628" actId="12"/>
         <pc:sldMkLst>
           <pc:docMk/>
           <pc:sldMk cId="3091374238" sldId="264"/>
@@ -1154,7 +1154,7 @@
           </ac:spMkLst>
         </pc:spChg>
         <pc:spChg chg="add mod">
-          <ac:chgData name="Ankita Savaliya" userId="a07c5e3212429836" providerId="LiveId" clId="{EA18AD7C-6F8C-4689-84D1-1E08637A6EED}" dt="2025-03-20T02:50:14.906" v="1953"/>
+          <ac:chgData name="Ankita Savaliya" userId="a07c5e3212429836" providerId="LiveId" clId="{EA18AD7C-6F8C-4689-84D1-1E08637A6EED}" dt="2025-03-20T17:17:13.436" v="4628" actId="12"/>
           <ac:spMkLst>
             <pc:docMk/>
             <pc:sldMk cId="3091374238" sldId="264"/>
@@ -1178,7 +1178,7 @@
           </ac:picMkLst>
         </pc:picChg>
         <pc:picChg chg="add mod">
-          <ac:chgData name="Ankita Savaliya" userId="a07c5e3212429836" providerId="LiveId" clId="{EA18AD7C-6F8C-4689-84D1-1E08637A6EED}" dt="2025-03-20T02:37:10.729" v="1704" actId="1076"/>
+          <ac:chgData name="Ankita Savaliya" userId="a07c5e3212429836" providerId="LiveId" clId="{EA18AD7C-6F8C-4689-84D1-1E08637A6EED}" dt="2025-03-20T17:16:06.904" v="4623" actId="14100"/>
           <ac:picMkLst>
             <pc:docMk/>
             <pc:sldMk cId="3091374238" sldId="264"/>
@@ -1186,7 +1186,7 @@
           </ac:picMkLst>
         </pc:picChg>
         <pc:picChg chg="add mod">
-          <ac:chgData name="Ankita Savaliya" userId="a07c5e3212429836" providerId="LiveId" clId="{EA18AD7C-6F8C-4689-84D1-1E08637A6EED}" dt="2025-03-20T02:46:42.011" v="1836" actId="1076"/>
+          <ac:chgData name="Ankita Savaliya" userId="a07c5e3212429836" providerId="LiveId" clId="{EA18AD7C-6F8C-4689-84D1-1E08637A6EED}" dt="2025-03-20T17:16:11.894" v="4624" actId="1076"/>
           <ac:picMkLst>
             <pc:docMk/>
             <pc:sldMk cId="3091374238" sldId="264"/>
@@ -1195,13 +1195,13 @@
         </pc:picChg>
       </pc:sldChg>
       <pc:sldChg chg="addSp delSp modSp add mod">
-        <pc:chgData name="Ankita Savaliya" userId="a07c5e3212429836" providerId="LiveId" clId="{EA18AD7C-6F8C-4689-84D1-1E08637A6EED}" dt="2025-03-20T12:34:10.282" v="2259" actId="255"/>
+        <pc:chgData name="Ankita Savaliya" userId="a07c5e3212429836" providerId="LiveId" clId="{EA18AD7C-6F8C-4689-84D1-1E08637A6EED}" dt="2025-03-20T17:18:33.079" v="4638" actId="20577"/>
         <pc:sldMkLst>
           <pc:docMk/>
           <pc:sldMk cId="1304765439" sldId="265"/>
         </pc:sldMkLst>
         <pc:spChg chg="mod">
-          <ac:chgData name="Ankita Savaliya" userId="a07c5e3212429836" providerId="LiveId" clId="{EA18AD7C-6F8C-4689-84D1-1E08637A6EED}" dt="2025-03-20T02:55:47.796" v="2154" actId="14100"/>
+          <ac:chgData name="Ankita Savaliya" userId="a07c5e3212429836" providerId="LiveId" clId="{EA18AD7C-6F8C-4689-84D1-1E08637A6EED}" dt="2025-03-20T17:18:33.079" v="4638" actId="20577"/>
           <ac:spMkLst>
             <pc:docMk/>
             <pc:sldMk cId="1304765439" sldId="265"/>
@@ -1234,7 +1234,7 @@
         </pc:picChg>
       </pc:sldChg>
       <pc:sldChg chg="addSp delSp modSp add mod">
-        <pc:chgData name="Ankita Savaliya" userId="a07c5e3212429836" providerId="LiveId" clId="{EA18AD7C-6F8C-4689-84D1-1E08637A6EED}" dt="2025-03-20T12:34:01.501" v="2258" actId="255"/>
+        <pc:chgData name="Ankita Savaliya" userId="a07c5e3212429836" providerId="LiveId" clId="{EA18AD7C-6F8C-4689-84D1-1E08637A6EED}" dt="2025-03-20T17:20:02.371" v="4642" actId="255"/>
         <pc:sldMkLst>
           <pc:docMk/>
           <pc:sldMk cId="2011265113" sldId="266"/>
@@ -1264,7 +1264,7 @@
           </ac:spMkLst>
         </pc:spChg>
         <pc:spChg chg="add mod">
-          <ac:chgData name="Ankita Savaliya" userId="a07c5e3212429836" providerId="LiveId" clId="{EA18AD7C-6F8C-4689-84D1-1E08637A6EED}" dt="2025-03-20T03:12:02.619" v="2246" actId="1076"/>
+          <ac:chgData name="Ankita Savaliya" userId="a07c5e3212429836" providerId="LiveId" clId="{EA18AD7C-6F8C-4689-84D1-1E08637A6EED}" dt="2025-03-20T17:20:02.371" v="4642" actId="255"/>
           <ac:spMkLst>
             <pc:docMk/>
             <pc:sldMk cId="2011265113" sldId="266"/>
@@ -1297,13 +1297,13 @@
         </pc:picChg>
       </pc:sldChg>
       <pc:sldChg chg="addSp delSp modSp add mod">
-        <pc:chgData name="Ankita Savaliya" userId="a07c5e3212429836" providerId="LiveId" clId="{EA18AD7C-6F8C-4689-84D1-1E08637A6EED}" dt="2025-03-20T12:55:42.868" v="2367" actId="12"/>
+        <pc:chgData name="Ankita Savaliya" userId="a07c5e3212429836" providerId="LiveId" clId="{EA18AD7C-6F8C-4689-84D1-1E08637A6EED}" dt="2025-03-20T17:19:53.123" v="4640" actId="255"/>
         <pc:sldMkLst>
           <pc:docMk/>
           <pc:sldMk cId="1447318688" sldId="267"/>
         </pc:sldMkLst>
         <pc:spChg chg="mod">
-          <ac:chgData name="Ankita Savaliya" userId="a07c5e3212429836" providerId="LiveId" clId="{EA18AD7C-6F8C-4689-84D1-1E08637A6EED}" dt="2025-03-20T12:55:42.868" v="2367" actId="12"/>
+          <ac:chgData name="Ankita Savaliya" userId="a07c5e3212429836" providerId="LiveId" clId="{EA18AD7C-6F8C-4689-84D1-1E08637A6EED}" dt="2025-03-20T17:19:53.123" v="4640" actId="255"/>
           <ac:spMkLst>
             <pc:docMk/>
             <pc:sldMk cId="1447318688" sldId="267"/>
@@ -1344,13 +1344,13 @@
         </pc:picChg>
       </pc:sldChg>
       <pc:sldChg chg="addSp delSp modSp add mod">
-        <pc:chgData name="Ankita Savaliya" userId="a07c5e3212429836" providerId="LiveId" clId="{EA18AD7C-6F8C-4689-84D1-1E08637A6EED}" dt="2025-03-20T13:02:11.801" v="2519" actId="1076"/>
+        <pc:chgData name="Ankita Savaliya" userId="a07c5e3212429836" providerId="LiveId" clId="{EA18AD7C-6F8C-4689-84D1-1E08637A6EED}" dt="2025-03-20T17:19:47.552" v="4639" actId="255"/>
         <pc:sldMkLst>
           <pc:docMk/>
           <pc:sldMk cId="4146099968" sldId="268"/>
         </pc:sldMkLst>
         <pc:spChg chg="mod">
-          <ac:chgData name="Ankita Savaliya" userId="a07c5e3212429836" providerId="LiveId" clId="{EA18AD7C-6F8C-4689-84D1-1E08637A6EED}" dt="2025-03-20T13:02:03.180" v="2517" actId="1076"/>
+          <ac:chgData name="Ankita Savaliya" userId="a07c5e3212429836" providerId="LiveId" clId="{EA18AD7C-6F8C-4689-84D1-1E08637A6EED}" dt="2025-03-20T17:19:47.552" v="4639" actId="255"/>
           <ac:spMkLst>
             <pc:docMk/>
             <pc:sldMk cId="4146099968" sldId="268"/>
@@ -1478,13 +1478,13 @@
         </pc:picChg>
       </pc:sldChg>
       <pc:sldChg chg="addSp delSp modSp add mod">
-        <pc:chgData name="Ankita Savaliya" userId="a07c5e3212429836" providerId="LiveId" clId="{EA18AD7C-6F8C-4689-84D1-1E08637A6EED}" dt="2025-03-20T13:33:12.802" v="2992" actId="1076"/>
+        <pc:chgData name="Ankita Savaliya" userId="a07c5e3212429836" providerId="LiveId" clId="{EA18AD7C-6F8C-4689-84D1-1E08637A6EED}" dt="2025-03-20T17:28:33.959" v="4714"/>
         <pc:sldMkLst>
           <pc:docMk/>
           <pc:sldMk cId="1191886766" sldId="270"/>
         </pc:sldMkLst>
         <pc:spChg chg="mod">
-          <ac:chgData name="Ankita Savaliya" userId="a07c5e3212429836" providerId="LiveId" clId="{EA18AD7C-6F8C-4689-84D1-1E08637A6EED}" dt="2025-03-20T13:33:05.115" v="2991" actId="255"/>
+          <ac:chgData name="Ankita Savaliya" userId="a07c5e3212429836" providerId="LiveId" clId="{EA18AD7C-6F8C-4689-84D1-1E08637A6EED}" dt="2025-03-20T17:21:31.660" v="4655" actId="20577"/>
           <ac:spMkLst>
             <pc:docMk/>
             <pc:sldMk cId="1191886766" sldId="270"/>
@@ -1492,7 +1492,7 @@
           </ac:spMkLst>
         </pc:spChg>
         <pc:spChg chg="mod">
-          <ac:chgData name="Ankita Savaliya" userId="a07c5e3212429836" providerId="LiveId" clId="{EA18AD7C-6F8C-4689-84D1-1E08637A6EED}" dt="2025-03-20T13:08:41.060" v="2595"/>
+          <ac:chgData name="Ankita Savaliya" userId="a07c5e3212429836" providerId="LiveId" clId="{EA18AD7C-6F8C-4689-84D1-1E08637A6EED}" dt="2025-03-20T17:28:33.959" v="4714"/>
           <ac:spMkLst>
             <pc:docMk/>
             <pc:sldMk cId="1191886766" sldId="270"/>
@@ -1508,7 +1508,7 @@
           </ac:picMkLst>
         </pc:picChg>
         <pc:picChg chg="add mod">
-          <ac:chgData name="Ankita Savaliya" userId="a07c5e3212429836" providerId="LiveId" clId="{EA18AD7C-6F8C-4689-84D1-1E08637A6EED}" dt="2025-03-20T13:33:12.802" v="2992" actId="1076"/>
+          <ac:chgData name="Ankita Savaliya" userId="a07c5e3212429836" providerId="LiveId" clId="{EA18AD7C-6F8C-4689-84D1-1E08637A6EED}" dt="2025-03-20T17:21:19.361" v="4651" actId="1076"/>
           <ac:picMkLst>
             <pc:docMk/>
             <pc:sldMk cId="1191886766" sldId="270"/>
@@ -1532,14 +1532,14 @@
           </ac:picMkLst>
         </pc:picChg>
       </pc:sldChg>
-      <pc:sldChg chg="addSp delSp modSp add mod">
-        <pc:chgData name="Ankita Savaliya" userId="a07c5e3212429836" providerId="LiveId" clId="{EA18AD7C-6F8C-4689-84D1-1E08637A6EED}" dt="2025-03-20T13:37:12.536" v="3083" actId="1076"/>
+      <pc:sldChg chg="addSp delSp modSp add mod modClrScheme chgLayout">
+        <pc:chgData name="Ankita Savaliya" userId="a07c5e3212429836" providerId="LiveId" clId="{EA18AD7C-6F8C-4689-84D1-1E08637A6EED}" dt="2025-03-20T19:03:09.898" v="4812" actId="700"/>
         <pc:sldMkLst>
           <pc:docMk/>
           <pc:sldMk cId="3113339641" sldId="271"/>
         </pc:sldMkLst>
-        <pc:spChg chg="mod">
-          <ac:chgData name="Ankita Savaliya" userId="a07c5e3212429836" providerId="LiveId" clId="{EA18AD7C-6F8C-4689-84D1-1E08637A6EED}" dt="2025-03-20T13:37:12.536" v="3083" actId="1076"/>
+        <pc:spChg chg="mod ord">
+          <ac:chgData name="Ankita Savaliya" userId="a07c5e3212429836" providerId="LiveId" clId="{EA18AD7C-6F8C-4689-84D1-1E08637A6EED}" dt="2025-03-20T19:03:09.898" v="4812" actId="700"/>
           <ac:spMkLst>
             <pc:docMk/>
             <pc:sldMk cId="3113339641" sldId="271"/>
@@ -1547,11 +1547,43 @@
           </ac:spMkLst>
         </pc:spChg>
         <pc:spChg chg="mod">
-          <ac:chgData name="Ankita Savaliya" userId="a07c5e3212429836" providerId="LiveId" clId="{EA18AD7C-6F8C-4689-84D1-1E08637A6EED}" dt="2025-03-20T13:22:22.650" v="2974"/>
+          <ac:chgData name="Ankita Savaliya" userId="a07c5e3212429836" providerId="LiveId" clId="{EA18AD7C-6F8C-4689-84D1-1E08637A6EED}" dt="2025-03-20T17:32:11.449" v="4739" actId="255"/>
           <ac:spMkLst>
             <pc:docMk/>
             <pc:sldMk cId="3113339641" sldId="271"/>
             <ac:spMk id="14" creationId="{68043E4E-76E7-53F0-0FDE-7EBB15F824F5}"/>
+          </ac:spMkLst>
+        </pc:spChg>
+        <pc:spChg chg="add del mod ord">
+          <ac:chgData name="Ankita Savaliya" userId="a07c5e3212429836" providerId="LiveId" clId="{EA18AD7C-6F8C-4689-84D1-1E08637A6EED}" dt="2025-03-20T19:03:09.898" v="4812" actId="700"/>
+          <ac:spMkLst>
+            <pc:docMk/>
+            <pc:sldMk cId="3113339641" sldId="271"/>
+            <ac:spMk id="26" creationId="{42F0774F-BF6A-92D2-A59C-27E6A18676D2}"/>
+          </ac:spMkLst>
+        </pc:spChg>
+        <pc:spChg chg="add del mod ord">
+          <ac:chgData name="Ankita Savaliya" userId="a07c5e3212429836" providerId="LiveId" clId="{EA18AD7C-6F8C-4689-84D1-1E08637A6EED}" dt="2025-03-20T19:03:09.898" v="4812" actId="700"/>
+          <ac:spMkLst>
+            <pc:docMk/>
+            <pc:sldMk cId="3113339641" sldId="271"/>
+            <ac:spMk id="27" creationId="{9F911779-66CA-A4EF-2EC6-0BEAF7A7FB92}"/>
+          </ac:spMkLst>
+        </pc:spChg>
+        <pc:spChg chg="add del mod ord">
+          <ac:chgData name="Ankita Savaliya" userId="a07c5e3212429836" providerId="LiveId" clId="{EA18AD7C-6F8C-4689-84D1-1E08637A6EED}" dt="2025-03-20T19:03:09.898" v="4812" actId="700"/>
+          <ac:spMkLst>
+            <pc:docMk/>
+            <pc:sldMk cId="3113339641" sldId="271"/>
+            <ac:spMk id="28" creationId="{BEC1158A-76F4-6421-E6D6-23F270CB287F}"/>
+          </ac:spMkLst>
+        </pc:spChg>
+        <pc:spChg chg="add del mod ord">
+          <ac:chgData name="Ankita Savaliya" userId="a07c5e3212429836" providerId="LiveId" clId="{EA18AD7C-6F8C-4689-84D1-1E08637A6EED}" dt="2025-03-20T19:03:09.898" v="4812" actId="700"/>
+          <ac:spMkLst>
+            <pc:docMk/>
+            <pc:sldMk cId="3113339641" sldId="271"/>
+            <ac:spMk id="29" creationId="{B58642B7-075A-0E74-4453-9A744F6DC775}"/>
           </ac:spMkLst>
         </pc:spChg>
         <pc:picChg chg="add del">
@@ -1562,8 +1594,8 @@
             <ac:picMk id="4" creationId="{49D08ED5-4023-791C-8656-9BE32A6C449E}"/>
           </ac:picMkLst>
         </pc:picChg>
-        <pc:picChg chg="add mod ord">
-          <ac:chgData name="Ankita Savaliya" userId="a07c5e3212429836" providerId="LiveId" clId="{EA18AD7C-6F8C-4689-84D1-1E08637A6EED}" dt="2025-03-20T13:37:02.910" v="3082" actId="13822"/>
+        <pc:picChg chg="add del mod ord">
+          <ac:chgData name="Ankita Savaliya" userId="a07c5e3212429836" providerId="LiveId" clId="{EA18AD7C-6F8C-4689-84D1-1E08637A6EED}" dt="2025-03-20T19:00:58.133" v="4797" actId="478"/>
           <ac:picMkLst>
             <pc:docMk/>
             <pc:sldMk cId="3113339641" sldId="271"/>
@@ -1594,39 +1626,71 @@
             <ac:picMk id="11" creationId="{D9B336A6-5E7A-3D38-E88E-A1E97DDA065D}"/>
           </ac:picMkLst>
         </pc:picChg>
-        <pc:picChg chg="add mod">
-          <ac:chgData name="Ankita Savaliya" userId="a07c5e3212429836" providerId="LiveId" clId="{EA18AD7C-6F8C-4689-84D1-1E08637A6EED}" dt="2025-03-20T13:36:24.288" v="3075" actId="14100"/>
+        <pc:picChg chg="add del mod">
+          <ac:chgData name="Ankita Savaliya" userId="a07c5e3212429836" providerId="LiveId" clId="{EA18AD7C-6F8C-4689-84D1-1E08637A6EED}" dt="2025-03-20T18:59:42.875" v="4783" actId="478"/>
           <ac:picMkLst>
             <pc:docMk/>
             <pc:sldMk cId="3113339641" sldId="271"/>
             <ac:picMk id="12" creationId="{D827E387-8B38-49E1-CE7B-FB86AD4D21A1}"/>
           </ac:picMkLst>
         </pc:picChg>
-        <pc:picChg chg="add mod">
-          <ac:chgData name="Ankita Savaliya" userId="a07c5e3212429836" providerId="LiveId" clId="{EA18AD7C-6F8C-4689-84D1-1E08637A6EED}" dt="2025-03-20T13:36:30.809" v="3077" actId="1076"/>
+        <pc:picChg chg="add del mod">
+          <ac:chgData name="Ankita Savaliya" userId="a07c5e3212429836" providerId="LiveId" clId="{EA18AD7C-6F8C-4689-84D1-1E08637A6EED}" dt="2025-03-20T18:59:58.323" v="4788" actId="478"/>
           <ac:picMkLst>
             <pc:docMk/>
             <pc:sldMk cId="3113339641" sldId="271"/>
             <ac:picMk id="15" creationId="{A86A59AF-834B-207B-FE31-59AA6D29D52A}"/>
           </ac:picMkLst>
         </pc:picChg>
-        <pc:picChg chg="add mod">
-          <ac:chgData name="Ankita Savaliya" userId="a07c5e3212429836" providerId="LiveId" clId="{EA18AD7C-6F8C-4689-84D1-1E08637A6EED}" dt="2025-03-20T13:36:35.548" v="3078" actId="1076"/>
+        <pc:picChg chg="add del mod">
+          <ac:chgData name="Ankita Savaliya" userId="a07c5e3212429836" providerId="LiveId" clId="{EA18AD7C-6F8C-4689-84D1-1E08637A6EED}" dt="2025-03-20T19:00:46.018" v="4792" actId="478"/>
           <ac:picMkLst>
             <pc:docMk/>
             <pc:sldMk cId="3113339641" sldId="271"/>
             <ac:picMk id="17" creationId="{E1D74080-55F7-C082-B3C9-F5D3D3F059F0}"/>
           </ac:picMkLst>
         </pc:picChg>
+        <pc:picChg chg="add mod">
+          <ac:chgData name="Ankita Savaliya" userId="a07c5e3212429836" providerId="LiveId" clId="{EA18AD7C-6F8C-4689-84D1-1E08637A6EED}" dt="2025-03-20T18:59:53.544" v="4787" actId="1076"/>
+          <ac:picMkLst>
+            <pc:docMk/>
+            <pc:sldMk cId="3113339641" sldId="271"/>
+            <ac:picMk id="19" creationId="{482882C0-7F31-6A6D-4DA6-948ADCF5386F}"/>
+          </ac:picMkLst>
+        </pc:picChg>
+        <pc:picChg chg="add mod">
+          <ac:chgData name="Ankita Savaliya" userId="a07c5e3212429836" providerId="LiveId" clId="{EA18AD7C-6F8C-4689-84D1-1E08637A6EED}" dt="2025-03-20T19:00:24.993" v="4791" actId="1076"/>
+          <ac:picMkLst>
+            <pc:docMk/>
+            <pc:sldMk cId="3113339641" sldId="271"/>
+            <ac:picMk id="21" creationId="{4716CC94-769B-35AB-1423-BA0233F770F8}"/>
+          </ac:picMkLst>
+        </pc:picChg>
+        <pc:picChg chg="add mod">
+          <ac:chgData name="Ankita Savaliya" userId="a07c5e3212429836" providerId="LiveId" clId="{EA18AD7C-6F8C-4689-84D1-1E08637A6EED}" dt="2025-03-20T19:01:41.001" v="4803" actId="1076"/>
+          <ac:picMkLst>
+            <pc:docMk/>
+            <pc:sldMk cId="3113339641" sldId="271"/>
+            <ac:picMk id="23" creationId="{42B2F81A-3EB8-5C92-C904-C682F07AD852}"/>
+          </ac:picMkLst>
+        </pc:picChg>
+        <pc:picChg chg="add mod">
+          <ac:chgData name="Ankita Savaliya" userId="a07c5e3212429836" providerId="LiveId" clId="{EA18AD7C-6F8C-4689-84D1-1E08637A6EED}" dt="2025-03-20T19:01:33.023" v="4802" actId="13822"/>
+          <ac:picMkLst>
+            <pc:docMk/>
+            <pc:sldMk cId="3113339641" sldId="271"/>
+            <ac:picMk id="25" creationId="{F2913715-CE90-83DD-3F9B-BED1A466F928}"/>
+          </ac:picMkLst>
+        </pc:picChg>
       </pc:sldChg>
       <pc:sldChg chg="addSp delSp modSp add mod">
-        <pc:chgData name="Ankita Savaliya" userId="a07c5e3212429836" providerId="LiveId" clId="{EA18AD7C-6F8C-4689-84D1-1E08637A6EED}" dt="2025-03-20T13:44:06.337" v="3265" actId="20577"/>
+        <pc:chgData name="Ankita Savaliya" userId="a07c5e3212429836" providerId="LiveId" clId="{EA18AD7C-6F8C-4689-84D1-1E08637A6EED}" dt="2025-03-20T19:05:17.937" v="4820" actId="20577"/>
         <pc:sldMkLst>
           <pc:docMk/>
           <pc:sldMk cId="508615715" sldId="272"/>
         </pc:sldMkLst>
-        <pc:spChg chg="add mod">
-          <ac:chgData name="Ankita Savaliya" userId="a07c5e3212429836" providerId="LiveId" clId="{EA18AD7C-6F8C-4689-84D1-1E08637A6EED}" dt="2025-03-20T13:37:42.861" v="3086"/>
+        <pc:spChg chg="add del mod">
+          <ac:chgData name="Ankita Savaliya" userId="a07c5e3212429836" providerId="LiveId" clId="{EA18AD7C-6F8C-4689-84D1-1E08637A6EED}" dt="2025-03-20T17:32:27.126" v="4740" actId="478"/>
           <ac:spMkLst>
             <pc:docMk/>
             <pc:sldMk cId="508615715" sldId="272"/>
@@ -1634,13 +1698,21 @@
           </ac:spMkLst>
         </pc:spChg>
         <pc:spChg chg="mod">
-          <ac:chgData name="Ankita Savaliya" userId="a07c5e3212429836" providerId="LiveId" clId="{EA18AD7C-6F8C-4689-84D1-1E08637A6EED}" dt="2025-03-20T13:44:06.337" v="3265" actId="20577"/>
+          <ac:chgData name="Ankita Savaliya" userId="a07c5e3212429836" providerId="LiveId" clId="{EA18AD7C-6F8C-4689-84D1-1E08637A6EED}" dt="2025-03-20T19:05:17.937" v="4820" actId="20577"/>
           <ac:spMkLst>
             <pc:docMk/>
             <pc:sldMk cId="508615715" sldId="272"/>
             <ac:spMk id="3" creationId="{69F83A1B-FD1C-76B8-CA9A-3E59E1FA4148}"/>
           </ac:spMkLst>
         </pc:spChg>
+        <pc:spChg chg="add mod">
+          <ac:chgData name="Ankita Savaliya" userId="a07c5e3212429836" providerId="LiveId" clId="{EA18AD7C-6F8C-4689-84D1-1E08637A6EED}" dt="2025-03-20T17:32:27.752" v="4741"/>
+          <ac:spMkLst>
+            <pc:docMk/>
+            <pc:sldMk cId="508615715" sldId="272"/>
+            <ac:spMk id="4" creationId="{A4C19F4F-8EBF-2D6C-3D45-2D5C39BABA94}"/>
+          </ac:spMkLst>
+        </pc:spChg>
         <pc:spChg chg="del">
           <ac:chgData name="Ankita Savaliya" userId="a07c5e3212429836" providerId="LiveId" clId="{EA18AD7C-6F8C-4689-84D1-1E08637A6EED}" dt="2025-03-20T13:37:42.434" v="3085" actId="478"/>
           <ac:spMkLst>
@@ -1649,8 +1721,16 @@
             <ac:spMk id="14" creationId="{70080847-8C2E-B8CD-C412-2552794CF74E}"/>
           </ac:spMkLst>
         </pc:spChg>
-        <pc:picChg chg="add mod">
-          <ac:chgData name="Ankita Savaliya" userId="a07c5e3212429836" providerId="LiveId" clId="{EA18AD7C-6F8C-4689-84D1-1E08637A6EED}" dt="2025-03-20T13:37:50.321" v="3087" actId="1076"/>
+        <pc:picChg chg="add del">
+          <ac:chgData name="Ankita Savaliya" userId="a07c5e3212429836" providerId="LiveId" clId="{EA18AD7C-6F8C-4689-84D1-1E08637A6EED}" dt="2025-03-20T19:02:14.235" v="4806" actId="22"/>
+          <ac:picMkLst>
+            <pc:docMk/>
+            <pc:sldMk cId="508615715" sldId="272"/>
+            <ac:picMk id="6" creationId="{25FE5836-9304-6295-EE8A-00C4E9C4C8C9}"/>
+          </ac:picMkLst>
+        </pc:picChg>
+        <pc:picChg chg="add del mod">
+          <ac:chgData name="Ankita Savaliya" userId="a07c5e3212429836" providerId="LiveId" clId="{EA18AD7C-6F8C-4689-84D1-1E08637A6EED}" dt="2025-03-20T19:02:12.127" v="4804" actId="478"/>
           <ac:picMkLst>
             <pc:docMk/>
             <pc:sldMk cId="508615715" sldId="272"/>
@@ -1665,6 +1745,14 @@
             <ac:picMk id="9" creationId="{B6DBC8DF-E1AB-48EB-DDE3-9F6670DE25C8}"/>
           </ac:picMkLst>
         </pc:picChg>
+        <pc:picChg chg="add mod">
+          <ac:chgData name="Ankita Savaliya" userId="a07c5e3212429836" providerId="LiveId" clId="{EA18AD7C-6F8C-4689-84D1-1E08637A6EED}" dt="2025-03-20T19:02:42.997" v="4809" actId="1076"/>
+          <ac:picMkLst>
+            <pc:docMk/>
+            <pc:sldMk cId="508615715" sldId="272"/>
+            <ac:picMk id="10" creationId="{23F3032C-84BB-FBC9-65D0-C907176BBDC5}"/>
+          </ac:picMkLst>
+        </pc:picChg>
         <pc:picChg chg="del">
           <ac:chgData name="Ankita Savaliya" userId="a07c5e3212429836" providerId="LiveId" clId="{EA18AD7C-6F8C-4689-84D1-1E08637A6EED}" dt="2025-03-20T13:34:06.514" v="3056" actId="478"/>
           <ac:picMkLst>
@@ -1675,7 +1763,7 @@
         </pc:picChg>
       </pc:sldChg>
       <pc:sldChg chg="addSp delSp modSp add mod">
-        <pc:chgData name="Ankita Savaliya" userId="a07c5e3212429836" providerId="LiveId" clId="{EA18AD7C-6F8C-4689-84D1-1E08637A6EED}" dt="2025-03-20T13:55:42.019" v="3322"/>
+        <pc:chgData name="Ankita Savaliya" userId="a07c5e3212429836" providerId="LiveId" clId="{EA18AD7C-6F8C-4689-84D1-1E08637A6EED}" dt="2025-03-20T19:06:08.976" v="4826" actId="1076"/>
         <pc:sldMkLst>
           <pc:docMk/>
           <pc:sldMk cId="3038985744" sldId="273"/>
@@ -1688,12 +1776,20 @@
             <ac:spMk id="3" creationId="{39A856AD-80F6-DAEC-4B38-7720A1084626}"/>
           </ac:spMkLst>
         </pc:spChg>
-        <pc:spChg chg="add mod">
-          <ac:chgData name="Ankita Savaliya" userId="a07c5e3212429836" providerId="LiveId" clId="{EA18AD7C-6F8C-4689-84D1-1E08637A6EED}" dt="2025-03-20T13:55:42.019" v="3322"/>
+        <pc:spChg chg="add del mod">
+          <ac:chgData name="Ankita Savaliya" userId="a07c5e3212429836" providerId="LiveId" clId="{EA18AD7C-6F8C-4689-84D1-1E08637A6EED}" dt="2025-03-20T17:32:33.238" v="4742" actId="478"/>
           <ac:spMkLst>
             <pc:docMk/>
             <pc:sldMk cId="3038985744" sldId="273"/>
             <ac:spMk id="7" creationId="{E0218747-78DF-A735-9814-E06CD1DB86B4}"/>
+          </ac:spMkLst>
+        </pc:spChg>
+        <pc:spChg chg="add mod">
+          <ac:chgData name="Ankita Savaliya" userId="a07c5e3212429836" providerId="LiveId" clId="{EA18AD7C-6F8C-4689-84D1-1E08637A6EED}" dt="2025-03-20T17:32:33.652" v="4743"/>
+          <ac:spMkLst>
+            <pc:docMk/>
+            <pc:sldMk cId="3038985744" sldId="273"/>
+            <ac:spMk id="8" creationId="{579954F5-F7E1-475C-95C3-F9A69B3FD55C}"/>
           </ac:spMkLst>
         </pc:spChg>
         <pc:spChg chg="del">
@@ -1712,8 +1808,8 @@
             <ac:picMk id="4" creationId="{AC0D4704-6352-A44A-FC6D-1DEEB0FB36DD}"/>
           </ac:picMkLst>
         </pc:picChg>
-        <pc:picChg chg="add mod">
-          <ac:chgData name="Ankita Savaliya" userId="a07c5e3212429836" providerId="LiveId" clId="{EA18AD7C-6F8C-4689-84D1-1E08637A6EED}" dt="2025-03-20T13:45:39.724" v="3282" actId="1076"/>
+        <pc:picChg chg="add del mod">
+          <ac:chgData name="Ankita Savaliya" userId="a07c5e3212429836" providerId="LiveId" clId="{EA18AD7C-6F8C-4689-84D1-1E08637A6EED}" dt="2025-03-20T19:05:48.448" v="4821" actId="478"/>
           <ac:picMkLst>
             <pc:docMk/>
             <pc:sldMk cId="3038985744" sldId="273"/>
@@ -1736,27 +1832,43 @@
             <ac:picMk id="11" creationId="{6CDCFF32-EE49-B6DE-3C1E-8A501DC65244}"/>
           </ac:picMkLst>
         </pc:picChg>
+        <pc:picChg chg="add mod">
+          <ac:chgData name="Ankita Savaliya" userId="a07c5e3212429836" providerId="LiveId" clId="{EA18AD7C-6F8C-4689-84D1-1E08637A6EED}" dt="2025-03-20T19:06:08.976" v="4826" actId="1076"/>
+          <ac:picMkLst>
+            <pc:docMk/>
+            <pc:sldMk cId="3038985744" sldId="273"/>
+            <ac:picMk id="12" creationId="{4A619B50-5C6D-D31D-7077-9CD1092A2590}"/>
+          </ac:picMkLst>
+        </pc:picChg>
       </pc:sldChg>
       <pc:sldChg chg="addSp delSp modSp add mod">
-        <pc:chgData name="Ankita Savaliya" userId="a07c5e3212429836" providerId="LiveId" clId="{EA18AD7C-6F8C-4689-84D1-1E08637A6EED}" dt="2025-03-20T14:08:20.821" v="3577" actId="20577"/>
+        <pc:chgData name="Ankita Savaliya" userId="a07c5e3212429836" providerId="LiveId" clId="{EA18AD7C-6F8C-4689-84D1-1E08637A6EED}" dt="2025-03-20T17:32:42.905" v="4745"/>
         <pc:sldMkLst>
           <pc:docMk/>
           <pc:sldMk cId="2036623907" sldId="274"/>
         </pc:sldMkLst>
         <pc:spChg chg="mod">
-          <ac:chgData name="Ankita Savaliya" userId="a07c5e3212429836" providerId="LiveId" clId="{EA18AD7C-6F8C-4689-84D1-1E08637A6EED}" dt="2025-03-20T14:08:20.821" v="3577" actId="20577"/>
+          <ac:chgData name="Ankita Savaliya" userId="a07c5e3212429836" providerId="LiveId" clId="{EA18AD7C-6F8C-4689-84D1-1E08637A6EED}" dt="2025-03-20T17:23:13.029" v="4663" actId="12"/>
           <ac:spMkLst>
             <pc:docMk/>
             <pc:sldMk cId="2036623907" sldId="274"/>
             <ac:spMk id="3" creationId="{D48D31E1-9621-DA53-E681-164F94AD0076}"/>
           </ac:spMkLst>
         </pc:spChg>
-        <pc:spChg chg="add mod">
-          <ac:chgData name="Ankita Savaliya" userId="a07c5e3212429836" providerId="LiveId" clId="{EA18AD7C-6F8C-4689-84D1-1E08637A6EED}" dt="2025-03-20T13:55:48.812" v="3324"/>
+        <pc:spChg chg="add del mod">
+          <ac:chgData name="Ankita Savaliya" userId="a07c5e3212429836" providerId="LiveId" clId="{EA18AD7C-6F8C-4689-84D1-1E08637A6EED}" dt="2025-03-20T17:32:42.407" v="4744" actId="478"/>
           <ac:spMkLst>
             <pc:docMk/>
             <pc:sldMk cId="2036623907" sldId="274"/>
             <ac:spMk id="7" creationId="{F45E2A54-72D0-0640-DCE5-2AA3044E6ED9}"/>
+          </ac:spMkLst>
+        </pc:spChg>
+        <pc:spChg chg="add mod">
+          <ac:chgData name="Ankita Savaliya" userId="a07c5e3212429836" providerId="LiveId" clId="{EA18AD7C-6F8C-4689-84D1-1E08637A6EED}" dt="2025-03-20T17:32:42.905" v="4745"/>
+          <ac:spMkLst>
+            <pc:docMk/>
+            <pc:sldMk cId="2036623907" sldId="274"/>
+            <ac:spMk id="8" creationId="{F1184B9E-5A3C-1ED6-8FED-518B6B49F86E}"/>
           </ac:spMkLst>
         </pc:spChg>
         <pc:spChg chg="del">
@@ -1801,7 +1913,7 @@
         </pc:picChg>
       </pc:sldChg>
       <pc:sldChg chg="addSp delSp modSp add mod">
-        <pc:chgData name="Ankita Savaliya" userId="a07c5e3212429836" providerId="LiveId" clId="{EA18AD7C-6F8C-4689-84D1-1E08637A6EED}" dt="2025-03-20T14:12:51.678" v="3584" actId="20577"/>
+        <pc:chgData name="Ankita Savaliya" userId="a07c5e3212429836" providerId="LiveId" clId="{EA18AD7C-6F8C-4689-84D1-1E08637A6EED}" dt="2025-03-20T19:07:18.348" v="4833" actId="1076"/>
         <pc:sldMkLst>
           <pc:docMk/>
           <pc:sldMk cId="1472073722" sldId="275"/>
@@ -1822,22 +1934,30 @@
             <ac:spMk id="4" creationId="{94742D30-501F-2B66-508B-9A9FA158C77D}"/>
           </ac:spMkLst>
         </pc:spChg>
-        <pc:spChg chg="add mod">
-          <ac:chgData name="Ankita Savaliya" userId="a07c5e3212429836" providerId="LiveId" clId="{EA18AD7C-6F8C-4689-84D1-1E08637A6EED}" dt="2025-03-20T13:55:54.339" v="3326"/>
+        <pc:spChg chg="add del mod">
+          <ac:chgData name="Ankita Savaliya" userId="a07c5e3212429836" providerId="LiveId" clId="{EA18AD7C-6F8C-4689-84D1-1E08637A6EED}" dt="2025-03-20T17:32:50.714" v="4746" actId="478"/>
           <ac:spMkLst>
             <pc:docMk/>
             <pc:sldMk cId="1472073722" sldId="275"/>
             <ac:spMk id="5" creationId="{70E6D046-9528-52DB-0F52-512D212C2678}"/>
           </ac:spMkLst>
         </pc:spChg>
-        <pc:spChg chg="add mod">
-          <ac:chgData name="Ankita Savaliya" userId="a07c5e3212429836" providerId="LiveId" clId="{EA18AD7C-6F8C-4689-84D1-1E08637A6EED}" dt="2025-03-20T14:12:51.678" v="3584" actId="20577"/>
+        <pc:spChg chg="add mod ord">
+          <ac:chgData name="Ankita Savaliya" userId="a07c5e3212429836" providerId="LiveId" clId="{EA18AD7C-6F8C-4689-84D1-1E08637A6EED}" dt="2025-03-20T19:07:11.426" v="4832" actId="166"/>
           <ac:spMkLst>
             <pc:docMk/>
             <pc:sldMk cId="1472073722" sldId="275"/>
             <ac:spMk id="7" creationId="{16D70FEE-4ECD-8CA4-2EBF-CD94479FF7D7}"/>
           </ac:spMkLst>
         </pc:spChg>
+        <pc:spChg chg="add mod">
+          <ac:chgData name="Ankita Savaliya" userId="a07c5e3212429836" providerId="LiveId" clId="{EA18AD7C-6F8C-4689-84D1-1E08637A6EED}" dt="2025-03-20T17:32:51.145" v="4747"/>
+          <ac:spMkLst>
+            <pc:docMk/>
+            <pc:sldMk cId="1472073722" sldId="275"/>
+            <ac:spMk id="8" creationId="{25648448-3433-8E87-5787-540A6CA65656}"/>
+          </ac:spMkLst>
+        </pc:spChg>
         <pc:spChg chg="del">
           <ac:chgData name="Ankita Savaliya" userId="a07c5e3212429836" providerId="LiveId" clId="{EA18AD7C-6F8C-4689-84D1-1E08637A6EED}" dt="2025-03-20T13:55:53.624" v="3325" actId="478"/>
           <ac:spMkLst>
@@ -1846,8 +1966,8 @@
             <ac:spMk id="14" creationId="{11BA3E7F-A60F-62D5-11E1-5CB27BA529A3}"/>
           </ac:spMkLst>
         </pc:spChg>
-        <pc:picChg chg="add mod">
-          <ac:chgData name="Ankita Savaliya" userId="a07c5e3212429836" providerId="LiveId" clId="{EA18AD7C-6F8C-4689-84D1-1E08637A6EED}" dt="2025-03-20T13:55:10.994" v="3317" actId="1076"/>
+        <pc:picChg chg="add del mod">
+          <ac:chgData name="Ankita Savaliya" userId="a07c5e3212429836" providerId="LiveId" clId="{EA18AD7C-6F8C-4689-84D1-1E08637A6EED}" dt="2025-03-20T19:06:39.518" v="4827" actId="478"/>
           <ac:picMkLst>
             <pc:docMk/>
             <pc:sldMk cId="1472073722" sldId="275"/>
@@ -1868,6 +1988,14 @@
             <pc:docMk/>
             <pc:sldMk cId="1472073722" sldId="275"/>
             <ac:picMk id="11" creationId="{58E329D6-328A-CDA0-3D23-A31D73AEF86C}"/>
+          </ac:picMkLst>
+        </pc:picChg>
+        <pc:picChg chg="add mod">
+          <ac:chgData name="Ankita Savaliya" userId="a07c5e3212429836" providerId="LiveId" clId="{EA18AD7C-6F8C-4689-84D1-1E08637A6EED}" dt="2025-03-20T19:07:18.348" v="4833" actId="1076"/>
+          <ac:picMkLst>
+            <pc:docMk/>
+            <pc:sldMk cId="1472073722" sldId="275"/>
+            <ac:picMk id="12" creationId="{CE79A000-2920-C66E-C090-C6E136D894BC}"/>
           </ac:picMkLst>
         </pc:picChg>
       </pc:sldChg>
@@ -1879,13 +2007,13 @@
         </pc:sldMkLst>
       </pc:sldChg>
       <pc:sldChg chg="addSp delSp modSp add mod ord">
-        <pc:chgData name="Ankita Savaliya" userId="a07c5e3212429836" providerId="LiveId" clId="{EA18AD7C-6F8C-4689-84D1-1E08637A6EED}" dt="2025-03-20T15:58:15.851" v="3990" actId="12"/>
+        <pc:chgData name="Ankita Savaliya" userId="a07c5e3212429836" providerId="LiveId" clId="{EA18AD7C-6F8C-4689-84D1-1E08637A6EED}" dt="2025-03-20T19:08:26.569" v="4843" actId="20577"/>
         <pc:sldMkLst>
           <pc:docMk/>
           <pc:sldMk cId="2965440492" sldId="276"/>
         </pc:sldMkLst>
-        <pc:spChg chg="mod">
-          <ac:chgData name="Ankita Savaliya" userId="a07c5e3212429836" providerId="LiveId" clId="{EA18AD7C-6F8C-4689-84D1-1E08637A6EED}" dt="2025-03-20T14:19:38.615" v="3599" actId="1076"/>
+        <pc:spChg chg="del mod">
+          <ac:chgData name="Ankita Savaliya" userId="a07c5e3212429836" providerId="LiveId" clId="{EA18AD7C-6F8C-4689-84D1-1E08637A6EED}" dt="2025-03-20T17:33:00.285" v="4748" actId="478"/>
           <ac:spMkLst>
             <pc:docMk/>
             <pc:sldMk cId="2965440492" sldId="276"/>
@@ -1893,15 +2021,23 @@
           </ac:spMkLst>
         </pc:spChg>
         <pc:spChg chg="add mod">
-          <ac:chgData name="Ankita Savaliya" userId="a07c5e3212429836" providerId="LiveId" clId="{EA18AD7C-6F8C-4689-84D1-1E08637A6EED}" dt="2025-03-20T15:58:15.851" v="3990" actId="12"/>
+          <ac:chgData name="Ankita Savaliya" userId="a07c5e3212429836" providerId="LiveId" clId="{EA18AD7C-6F8C-4689-84D1-1E08637A6EED}" dt="2025-03-20T19:08:26.569" v="4843" actId="20577"/>
           <ac:spMkLst>
             <pc:docMk/>
             <pc:sldMk cId="2965440492" sldId="276"/>
             <ac:spMk id="8" creationId="{6C609CA3-8340-6529-7A93-1D4B452D0290}"/>
           </ac:spMkLst>
         </pc:spChg>
+        <pc:spChg chg="add mod">
+          <ac:chgData name="Ankita Savaliya" userId="a07c5e3212429836" providerId="LiveId" clId="{EA18AD7C-6F8C-4689-84D1-1E08637A6EED}" dt="2025-03-20T17:33:00.674" v="4749"/>
+          <ac:spMkLst>
+            <pc:docMk/>
+            <pc:sldMk cId="2965440492" sldId="276"/>
+            <ac:spMk id="9" creationId="{5037BAE2-2058-57C5-4EDC-ADEFC8E76D7A}"/>
+          </ac:spMkLst>
+        </pc:spChg>
         <pc:picChg chg="add mod">
-          <ac:chgData name="Ankita Savaliya" userId="a07c5e3212429836" providerId="LiveId" clId="{EA18AD7C-6F8C-4689-84D1-1E08637A6EED}" dt="2025-03-20T14:19:32.906" v="3598" actId="14100"/>
+          <ac:chgData name="Ankita Savaliya" userId="a07c5e3212429836" providerId="LiveId" clId="{EA18AD7C-6F8C-4689-84D1-1E08637A6EED}" dt="2025-03-20T17:24:41.309" v="4668" actId="1076"/>
           <ac:picMkLst>
             <pc:docMk/>
             <pc:sldMk cId="2965440492" sldId="276"/>
@@ -1916,23 +2052,31 @@
             <ac:picMk id="6" creationId="{9D79ED74-FF4E-5C6C-D6C8-224A6AF82DB6}"/>
           </ac:picMkLst>
         </pc:picChg>
-        <pc:picChg chg="add mod">
-          <ac:chgData name="Ankita Savaliya" userId="a07c5e3212429836" providerId="LiveId" clId="{EA18AD7C-6F8C-4689-84D1-1E08637A6EED}" dt="2025-03-20T14:19:18.558" v="3596" actId="1076"/>
+        <pc:picChg chg="add del mod">
+          <ac:chgData name="Ankita Savaliya" userId="a07c5e3212429836" providerId="LiveId" clId="{EA18AD7C-6F8C-4689-84D1-1E08637A6EED}" dt="2025-03-20T19:07:44.565" v="4834" actId="478"/>
           <ac:picMkLst>
             <pc:docMk/>
             <pc:sldMk cId="2965440492" sldId="276"/>
             <ac:picMk id="7" creationId="{2202BD4C-8BD7-69CC-CF50-E89F5CD7D514}"/>
           </ac:picMkLst>
         </pc:picChg>
+        <pc:picChg chg="add mod">
+          <ac:chgData name="Ankita Savaliya" userId="a07c5e3212429836" providerId="LiveId" clId="{EA18AD7C-6F8C-4689-84D1-1E08637A6EED}" dt="2025-03-20T19:07:55.421" v="4839" actId="1076"/>
+          <ac:picMkLst>
+            <pc:docMk/>
+            <pc:sldMk cId="2965440492" sldId="276"/>
+            <ac:picMk id="11" creationId="{68218CE1-B09A-6662-0E02-9DA2A609840A}"/>
+          </ac:picMkLst>
+        </pc:picChg>
       </pc:sldChg>
       <pc:sldChg chg="addSp delSp modSp add mod">
-        <pc:chgData name="Ankita Savaliya" userId="a07c5e3212429836" providerId="LiveId" clId="{EA18AD7C-6F8C-4689-84D1-1E08637A6EED}" dt="2025-03-20T16:10:12.658" v="4295" actId="5793"/>
+        <pc:chgData name="Ankita Savaliya" userId="a07c5e3212429836" providerId="LiveId" clId="{EA18AD7C-6F8C-4689-84D1-1E08637A6EED}" dt="2025-03-20T17:26:08.801" v="4686" actId="20577"/>
         <pc:sldMkLst>
           <pc:docMk/>
           <pc:sldMk cId="3715793561" sldId="277"/>
         </pc:sldMkLst>
         <pc:spChg chg="add mod">
-          <ac:chgData name="Ankita Savaliya" userId="a07c5e3212429836" providerId="LiveId" clId="{EA18AD7C-6F8C-4689-84D1-1E08637A6EED}" dt="2025-03-20T16:10:12.658" v="4295" actId="5793"/>
+          <ac:chgData name="Ankita Savaliya" userId="a07c5e3212429836" providerId="LiveId" clId="{EA18AD7C-6F8C-4689-84D1-1E08637A6EED}" dt="2025-03-20T17:25:57.011" v="4684" actId="20577"/>
           <ac:spMkLst>
             <pc:docMk/>
             <pc:sldMk cId="3715793561" sldId="277"/>
@@ -1940,7 +2084,7 @@
           </ac:spMkLst>
         </pc:spChg>
         <pc:spChg chg="mod">
-          <ac:chgData name="Ankita Savaliya" userId="a07c5e3212429836" providerId="LiveId" clId="{EA18AD7C-6F8C-4689-84D1-1E08637A6EED}" dt="2025-03-20T15:44:45.641" v="3740"/>
+          <ac:chgData name="Ankita Savaliya" userId="a07c5e3212429836" providerId="LiveId" clId="{EA18AD7C-6F8C-4689-84D1-1E08637A6EED}" dt="2025-03-20T17:26:08.801" v="4686" actId="20577"/>
           <ac:spMkLst>
             <pc:docMk/>
             <pc:sldMk cId="3715793561" sldId="277"/>
@@ -1964,7 +2108,7 @@
           </ac:picMkLst>
         </pc:picChg>
         <pc:picChg chg="add mod">
-          <ac:chgData name="Ankita Savaliya" userId="a07c5e3212429836" providerId="LiveId" clId="{EA18AD7C-6F8C-4689-84D1-1E08637A6EED}" dt="2025-03-20T16:01:30.305" v="4010" actId="1076"/>
+          <ac:chgData name="Ankita Savaliya" userId="a07c5e3212429836" providerId="LiveId" clId="{EA18AD7C-6F8C-4689-84D1-1E08637A6EED}" dt="2025-03-20T17:25:30.999" v="4676" actId="1076"/>
           <ac:picMkLst>
             <pc:docMk/>
             <pc:sldMk cId="3715793561" sldId="277"/>
@@ -1981,7 +2125,7 @@
         </pc:picChg>
       </pc:sldChg>
       <pc:sldChg chg="addSp delSp modSp add mod">
-        <pc:chgData name="Ankita Savaliya" userId="a07c5e3212429836" providerId="LiveId" clId="{EA18AD7C-6F8C-4689-84D1-1E08637A6EED}" dt="2025-03-20T16:19:50.141" v="4457" actId="20577"/>
+        <pc:chgData name="Ankita Savaliya" userId="a07c5e3212429836" providerId="LiveId" clId="{EA18AD7C-6F8C-4689-84D1-1E08637A6EED}" dt="2025-03-20T19:09:02.175" v="4847" actId="1076"/>
         <pc:sldMkLst>
           <pc:docMk/>
           <pc:sldMk cId="2833297498" sldId="278"/>
@@ -2003,15 +2147,15 @@
           </ac:spMkLst>
         </pc:spChg>
         <pc:spChg chg="add mod">
-          <ac:chgData name="Ankita Savaliya" userId="a07c5e3212429836" providerId="LiveId" clId="{EA18AD7C-6F8C-4689-84D1-1E08637A6EED}" dt="2025-03-20T16:19:50.141" v="4457" actId="20577"/>
+          <ac:chgData name="Ankita Savaliya" userId="a07c5e3212429836" providerId="LiveId" clId="{EA18AD7C-6F8C-4689-84D1-1E08637A6EED}" dt="2025-03-20T17:33:25.083" v="4751" actId="20577"/>
           <ac:spMkLst>
             <pc:docMk/>
             <pc:sldMk cId="2833297498" sldId="278"/>
             <ac:spMk id="7" creationId="{80FC1BC1-CE3B-C940-FDFB-49FD8581AF10}"/>
           </ac:spMkLst>
         </pc:spChg>
-        <pc:picChg chg="add mod">
-          <ac:chgData name="Ankita Savaliya" userId="a07c5e3212429836" providerId="LiveId" clId="{EA18AD7C-6F8C-4689-84D1-1E08637A6EED}" dt="2025-03-20T16:11:16.601" v="4306" actId="1076"/>
+        <pc:picChg chg="add del mod">
+          <ac:chgData name="Ankita Savaliya" userId="a07c5e3212429836" providerId="LiveId" clId="{EA18AD7C-6F8C-4689-84D1-1E08637A6EED}" dt="2025-03-20T19:08:53.104" v="4844" actId="478"/>
           <ac:picMkLst>
             <pc:docMk/>
             <pc:sldMk cId="2833297498" sldId="278"/>
@@ -2027,6 +2171,14 @@
           </ac:picMkLst>
         </pc:picChg>
         <pc:picChg chg="add mod">
+          <ac:chgData name="Ankita Savaliya" userId="a07c5e3212429836" providerId="LiveId" clId="{EA18AD7C-6F8C-4689-84D1-1E08637A6EED}" dt="2025-03-20T19:09:02.175" v="4847" actId="1076"/>
+          <ac:picMkLst>
+            <pc:docMk/>
+            <pc:sldMk cId="2833297498" sldId="278"/>
+            <ac:picMk id="9" creationId="{CE3945FC-9593-81BB-406A-2EC8995B6D8A}"/>
+          </ac:picMkLst>
+        </pc:picChg>
+        <pc:picChg chg="add mod">
           <ac:chgData name="Ankita Savaliya" userId="a07c5e3212429836" providerId="LiveId" clId="{EA18AD7C-6F8C-4689-84D1-1E08637A6EED}" dt="2025-03-20T16:11:13.242" v="4305" actId="1076"/>
           <ac:picMkLst>
             <pc:docMk/>
@@ -2036,13 +2188,13 @@
         </pc:picChg>
       </pc:sldChg>
       <pc:sldChg chg="addSp delSp modSp add mod">
-        <pc:chgData name="Ankita Savaliya" userId="a07c5e3212429836" providerId="LiveId" clId="{EA18AD7C-6F8C-4689-84D1-1E08637A6EED}" dt="2025-03-20T16:22:19.185" v="4507" actId="1076"/>
+        <pc:chgData name="Ankita Savaliya" userId="a07c5e3212429836" providerId="LiveId" clId="{EA18AD7C-6F8C-4689-84D1-1E08637A6EED}" dt="2025-03-20T19:13:46.881" v="4860" actId="313"/>
         <pc:sldMkLst>
           <pc:docMk/>
           <pc:sldMk cId="2265793543" sldId="279"/>
         </pc:sldMkLst>
         <pc:spChg chg="add mod">
-          <ac:chgData name="Ankita Savaliya" userId="a07c5e3212429836" providerId="LiveId" clId="{EA18AD7C-6F8C-4689-84D1-1E08637A6EED}" dt="2025-03-20T16:19:57.861" v="4459"/>
+          <ac:chgData name="Ankita Savaliya" userId="a07c5e3212429836" providerId="LiveId" clId="{EA18AD7C-6F8C-4689-84D1-1E08637A6EED}" dt="2025-03-20T19:13:46.881" v="4860" actId="313"/>
           <ac:spMkLst>
             <pc:docMk/>
             <pc:sldMk cId="2265793543" sldId="279"/>
@@ -2065,8 +2217,8 @@
             <ac:spMk id="8" creationId="{CB9B4933-4307-0C5B-DEC6-4A346859B40B}"/>
           </ac:spMkLst>
         </pc:spChg>
-        <pc:picChg chg="add mod">
-          <ac:chgData name="Ankita Savaliya" userId="a07c5e3212429836" providerId="LiveId" clId="{EA18AD7C-6F8C-4689-84D1-1E08637A6EED}" dt="2025-03-20T16:22:19.185" v="4507" actId="1076"/>
+        <pc:picChg chg="add del mod">
+          <ac:chgData name="Ankita Savaliya" userId="a07c5e3212429836" providerId="LiveId" clId="{EA18AD7C-6F8C-4689-84D1-1E08637A6EED}" dt="2025-03-20T17:50:57.262" v="4782" actId="478"/>
           <ac:picMkLst>
             <pc:docMk/>
             <pc:sldMk cId="2265793543" sldId="279"/>
@@ -2079,6 +2231,14 @@
             <pc:docMk/>
             <pc:sldMk cId="2265793543" sldId="279"/>
             <ac:picMk id="6" creationId="{BDA0374C-FAF7-3D77-8775-100A0F154231}"/>
+          </ac:picMkLst>
+        </pc:picChg>
+        <pc:picChg chg="add mod">
+          <ac:chgData name="Ankita Savaliya" userId="a07c5e3212429836" providerId="LiveId" clId="{EA18AD7C-6F8C-4689-84D1-1E08637A6EED}" dt="2025-03-20T19:09:31.071" v="4851" actId="1076"/>
+          <ac:picMkLst>
+            <pc:docMk/>
+            <pc:sldMk cId="2265793543" sldId="279"/>
+            <ac:picMk id="10" creationId="{668AFCDC-C259-2D54-F88A-2C4D8A40DA30}"/>
           </ac:picMkLst>
         </pc:picChg>
       </pc:sldChg>
@@ -2090,7 +2250,7 @@
         </pc:sldMkLst>
       </pc:sldChg>
       <pc:sldChg chg="delSp modSp new mod">
-        <pc:chgData name="Ankita Savaliya" userId="a07c5e3212429836" providerId="LiveId" clId="{EA18AD7C-6F8C-4689-84D1-1E08637A6EED}" dt="2025-03-20T16:28:27.369" v="4601"/>
+        <pc:chgData name="Ankita Savaliya" userId="a07c5e3212429836" providerId="LiveId" clId="{EA18AD7C-6F8C-4689-84D1-1E08637A6EED}" dt="2025-03-20T19:14:30.484" v="4862" actId="255"/>
         <pc:sldMkLst>
           <pc:docMk/>
           <pc:sldMk cId="3306554994" sldId="280"/>
@@ -2104,7 +2264,7 @@
           </ac:spMkLst>
         </pc:spChg>
         <pc:spChg chg="mod">
-          <ac:chgData name="Ankita Savaliya" userId="a07c5e3212429836" providerId="LiveId" clId="{EA18AD7C-6F8C-4689-84D1-1E08637A6EED}" dt="2025-03-20T16:28:27.369" v="4601"/>
+          <ac:chgData name="Ankita Savaliya" userId="a07c5e3212429836" providerId="LiveId" clId="{EA18AD7C-6F8C-4689-84D1-1E08637A6EED}" dt="2025-03-20T19:14:30.484" v="4862" actId="255"/>
           <ac:spMkLst>
             <pc:docMk/>
             <pc:sldMk cId="3306554994" sldId="280"/>
@@ -6532,7 +6692,7 @@
               <a:buNone/>
             </a:pPr>
             <a:r>
-              <a:rPr lang="en-US" sz="1800" dirty="0"/>
+              <a:rPr lang="en-US" sz="1600" dirty="0"/>
               <a:t>After processing and feature engineering, the dataset now contains the following columns. It is now ready for model training.</a:t>
             </a:r>
           </a:p>
@@ -6913,8 +7073,8 @@
         </p:nvSpPr>
         <p:spPr>
           <a:xfrm>
-            <a:off x="5987845" y="770612"/>
-            <a:ext cx="5879690" cy="2966181"/>
+            <a:off x="5642714" y="770612"/>
+            <a:ext cx="6549285" cy="3221285"/>
           </a:xfrm>
         </p:spPr>
         <p:txBody>
@@ -6933,15 +7093,15 @@
               <a:buNone/>
             </a:pPr>
             <a:r>
-              <a:rPr lang="en-US" sz="1300" dirty="0"/>
-              <a:t>This step evaluates various classification models to predict mortality in Acute Respiratory Failure (ARF) patients. The features are standardized to improve model performance. Multiple models—Logistic Regression, Decision Tree, Random Forest, Gradient Boosting, and </a:t>
-            </a:r>
-            <a:r>
-              <a:rPr lang="en-US" sz="1300" dirty="0" err="1"/>
+              <a:rPr lang="en-US" sz="1400" dirty="0"/>
+              <a:t>This step evaluates various classification models to predict mortality in ARF patients. The features are standardized to improve model performance. Multiple models—Logistic Regression, Decision Tree, Random Forest, Gradient Boosting, and </a:t>
+            </a:r>
+            <a:r>
+              <a:rPr lang="en-US" sz="1400" dirty="0" err="1"/>
               <a:t>XGBoost</a:t>
             </a:r>
             <a:r>
-              <a:rPr lang="en-US" sz="1300" dirty="0"/>
+              <a:rPr lang="en-US" sz="1400" dirty="0"/>
               <a:t>—are trained and tested. The models are evaluated and compared using the following performance metrics:</a:t>
             </a:r>
           </a:p>
@@ -6955,7 +7115,7 @@
               </a:spcBef>
               <a:buNone/>
             </a:pPr>
-            <a:endParaRPr lang="en-US" sz="1300" dirty="0"/>
+            <a:endParaRPr lang="en-US" sz="1400" dirty="0"/>
           </a:p>
           <a:p>
             <a:pPr marL="0" indent="0">
@@ -6968,11 +7128,11 @@
               <a:buNone/>
             </a:pPr>
             <a:r>
-              <a:rPr lang="en-US" sz="1300" b="1" dirty="0"/>
+              <a:rPr lang="en-US" sz="1400" b="1" dirty="0"/>
               <a:t>Accuracy</a:t>
             </a:r>
             <a:r>
-              <a:rPr lang="en-US" sz="1300" dirty="0"/>
+              <a:rPr lang="en-US" sz="1400" dirty="0"/>
               <a:t>: The proportion of correct predictions out of all predictions.</a:t>
             </a:r>
           </a:p>
@@ -6987,11 +7147,11 @@
               <a:buNone/>
             </a:pPr>
             <a:r>
-              <a:rPr lang="en-US" sz="1300" b="1" dirty="0"/>
+              <a:rPr lang="en-US" sz="1400" b="1" dirty="0"/>
               <a:t>AUC-ROC</a:t>
             </a:r>
             <a:r>
-              <a:rPr lang="en-US" sz="1300" dirty="0"/>
+              <a:rPr lang="en-US" sz="1400" dirty="0"/>
               <a:t>: A measure of the model's ability to distinguish between classes.</a:t>
             </a:r>
           </a:p>
@@ -7006,11 +7166,11 @@
               <a:buNone/>
             </a:pPr>
             <a:r>
-              <a:rPr lang="en-US" sz="1300" b="1" dirty="0"/>
+              <a:rPr lang="en-US" sz="1400" b="1" dirty="0"/>
               <a:t>Precision</a:t>
             </a:r>
             <a:r>
-              <a:rPr lang="en-US" sz="1300" dirty="0"/>
+              <a:rPr lang="en-US" sz="1400" dirty="0"/>
               <a:t>: The proportion of true positive predictions among all positive predictions.</a:t>
             </a:r>
           </a:p>
@@ -7025,11 +7185,11 @@
               <a:buNone/>
             </a:pPr>
             <a:r>
-              <a:rPr lang="en-US" sz="1300" b="1" dirty="0"/>
+              <a:rPr lang="en-US" sz="1400" b="1" dirty="0"/>
               <a:t>Recall</a:t>
             </a:r>
             <a:r>
-              <a:rPr lang="en-US" sz="1300" dirty="0"/>
+              <a:rPr lang="en-US" sz="1400" dirty="0"/>
               <a:t>: The proportion of actual positive cases correctly identified by the model.</a:t>
             </a:r>
           </a:p>
@@ -7044,11 +7204,11 @@
               <a:buNone/>
             </a:pPr>
             <a:r>
-              <a:rPr lang="en-US" sz="1300" b="1" dirty="0"/>
+              <a:rPr lang="en-US" sz="1400" b="1" dirty="0"/>
               <a:t>F1-Score</a:t>
             </a:r>
             <a:r>
-              <a:rPr lang="en-US" sz="1300" dirty="0"/>
+              <a:rPr lang="en-US" sz="1400" dirty="0"/>
               <a:t>: The harmonic mean of precision and recall, balancing both metrics.</a:t>
             </a:r>
           </a:p>
@@ -7062,7 +7222,7 @@
               </a:spcBef>
               <a:buNone/>
             </a:pPr>
-            <a:endParaRPr lang="en-US" sz="1300" dirty="0"/>
+            <a:endParaRPr lang="en-US" sz="1400" dirty="0"/>
           </a:p>
           <a:p>
             <a:pPr marL="0" indent="0">
@@ -7075,7 +7235,7 @@
               <a:buNone/>
             </a:pPr>
             <a:r>
-              <a:rPr lang="en-US" sz="1300" dirty="0"/>
+              <a:rPr lang="en-US" sz="1400" dirty="0"/>
               <a:t>This comparison helps identify the best-performing model for predicting mortality in ARF patients.</a:t>
             </a:r>
           </a:p>
@@ -7130,7 +7290,23 @@
           <a:p>
             <a:r>
               <a:rPr lang="en-US" sz="2800" dirty="0"/>
-              <a:t>Step 4:Model Evaluation and Comparison</a:t>
+              <a:t>Step 5: Model Evaluation and Comparison (</a:t>
+            </a:r>
+            <a:r>
+              <a:rPr lang="en-US" sz="2800" dirty="0" err="1"/>
+              <a:t>sklearn</a:t>
+            </a:r>
+            <a:r>
+              <a:rPr lang="en-US" sz="2800" dirty="0"/>
+              <a:t> models and </a:t>
+            </a:r>
+            <a:r>
+              <a:rPr lang="en-US" sz="2800" dirty="0" err="1"/>
+              <a:t>XGBoost</a:t>
+            </a:r>
+            <a:r>
+              <a:rPr lang="en-US" sz="2800" dirty="0"/>
+              <a:t>)</a:t>
             </a:r>
           </a:p>
         </p:txBody>
@@ -7187,8 +7363,8 @@
         </p:blipFill>
         <p:spPr>
           <a:xfrm>
-            <a:off x="5987845" y="3878141"/>
-            <a:ext cx="5979023" cy="2966182"/>
+            <a:off x="5642714" y="4100502"/>
+            <a:ext cx="5545393" cy="2751059"/>
           </a:xfrm>
           <a:prstGeom prst="rect">
             <a:avLst/>
@@ -7249,7 +7425,7 @@
         </p:nvSpPr>
         <p:spPr>
           <a:xfrm>
-            <a:off x="395748" y="852290"/>
+            <a:off x="395748" y="1003907"/>
             <a:ext cx="10631941" cy="303234"/>
           </a:xfrm>
         </p:spPr>
@@ -7286,7 +7462,7 @@
         <p:spPr>
           <a:xfrm>
             <a:off x="395748" y="227474"/>
-            <a:ext cx="11137490" cy="401790"/>
+            <a:ext cx="11796252" cy="401790"/>
           </a:xfrm>
           <a:prstGeom prst="rect">
             <a:avLst/>
@@ -7317,18 +7493,34 @@
           </a:lstStyle>
           <a:p>
             <a:r>
-              <a:rPr lang="en-US" sz="2800" dirty="0"/>
-              <a:t>Step 4: Model Evaluation and Comparison(Continued)... </a:t>
+              <a:rPr lang="en-US" sz="2600" dirty="0"/>
+              <a:t>Step 5: Model Evaluation and Comparison (</a:t>
+            </a:r>
+            <a:r>
+              <a:rPr lang="en-US" sz="2600" dirty="0" err="1"/>
+              <a:t>sklearn</a:t>
+            </a:r>
+            <a:r>
+              <a:rPr lang="en-US" sz="2600" dirty="0"/>
+              <a:t> models and </a:t>
+            </a:r>
+            <a:r>
+              <a:rPr lang="en-US" sz="2600" dirty="0" err="1"/>
+              <a:t>XGBoost</a:t>
+            </a:r>
+            <a:r>
+              <a:rPr lang="en-US" sz="2600" dirty="0"/>
+              <a:t>) (Continued)…</a:t>
             </a:r>
           </a:p>
         </p:txBody>
       </p:sp>
       <p:pic>
         <p:nvPicPr>
-          <p:cNvPr id="12" name="Picture 11">
-            <a:extLst>
-              <a:ext uri="{FF2B5EF4-FFF2-40B4-BE49-F238E27FC236}">
-                <a16:creationId xmlns:a16="http://schemas.microsoft.com/office/drawing/2014/main" id="{D827E387-8B38-49E1-CE7B-FB86AD4D21A1}"/>
+          <p:cNvPr id="19" name="Picture 18">
+            <a:extLst>
+              <a:ext uri="{FF2B5EF4-FFF2-40B4-BE49-F238E27FC236}">
+                <a16:creationId xmlns:a16="http://schemas.microsoft.com/office/drawing/2014/main" id="{482882C0-7F31-6A6D-4DA6-948ADCF5386F}"/>
               </a:ext>
             </a:extLst>
           </p:cNvPr>
@@ -7345,8 +7537,8 @@
         </p:blipFill>
         <p:spPr>
           <a:xfrm>
-            <a:off x="395748" y="1444243"/>
-            <a:ext cx="3372384" cy="5225164"/>
+            <a:off x="506928" y="1426835"/>
+            <a:ext cx="3018911" cy="4969370"/>
           </a:xfrm>
           <a:prstGeom prst="rect">
             <a:avLst/>
@@ -7355,10 +7547,10 @@
       </p:pic>
       <p:pic>
         <p:nvPicPr>
-          <p:cNvPr id="15" name="Picture 14">
-            <a:extLst>
-              <a:ext uri="{FF2B5EF4-FFF2-40B4-BE49-F238E27FC236}">
-                <a16:creationId xmlns:a16="http://schemas.microsoft.com/office/drawing/2014/main" id="{A86A59AF-834B-207B-FE31-59AA6D29D52A}"/>
+          <p:cNvPr id="21" name="Picture 20">
+            <a:extLst>
+              <a:ext uri="{FF2B5EF4-FFF2-40B4-BE49-F238E27FC236}">
+                <a16:creationId xmlns:a16="http://schemas.microsoft.com/office/drawing/2014/main" id="{4716CC94-769B-35AB-1423-BA0233F770F8}"/>
               </a:ext>
             </a:extLst>
           </p:cNvPr>
@@ -7375,8 +7567,8 @@
         </p:blipFill>
         <p:spPr>
           <a:xfrm>
-            <a:off x="3947420" y="1444243"/>
-            <a:ext cx="3186288" cy="4969369"/>
+            <a:off x="3876389" y="1392134"/>
+            <a:ext cx="3097418" cy="5043326"/>
           </a:xfrm>
           <a:prstGeom prst="rect">
             <a:avLst/>
@@ -7385,10 +7577,10 @@
       </p:pic>
       <p:pic>
         <p:nvPicPr>
-          <p:cNvPr id="17" name="Picture 16">
-            <a:extLst>
-              <a:ext uri="{FF2B5EF4-FFF2-40B4-BE49-F238E27FC236}">
-                <a16:creationId xmlns:a16="http://schemas.microsoft.com/office/drawing/2014/main" id="{E1D74080-55F7-C082-B3C9-F5D3D3F059F0}"/>
+          <p:cNvPr id="23" name="Picture 22">
+            <a:extLst>
+              <a:ext uri="{FF2B5EF4-FFF2-40B4-BE49-F238E27FC236}">
+                <a16:creationId xmlns:a16="http://schemas.microsoft.com/office/drawing/2014/main" id="{42B2F81A-3EB8-5C92-C904-C682F07AD852}"/>
               </a:ext>
             </a:extLst>
           </p:cNvPr>
@@ -7405,8 +7597,8 @@
         </p:blipFill>
         <p:spPr>
           <a:xfrm>
-            <a:off x="7555289" y="1444243"/>
-            <a:ext cx="2902152" cy="2242898"/>
+            <a:off x="7290451" y="1503993"/>
+            <a:ext cx="2971442" cy="2437010"/>
           </a:xfrm>
           <a:prstGeom prst="rect">
             <a:avLst/>
@@ -7415,10 +7607,10 @@
       </p:pic>
       <p:pic>
         <p:nvPicPr>
-          <p:cNvPr id="6" name="Picture 5">
-            <a:extLst>
-              <a:ext uri="{FF2B5EF4-FFF2-40B4-BE49-F238E27FC236}">
-                <a16:creationId xmlns:a16="http://schemas.microsoft.com/office/drawing/2014/main" id="{D8D22321-CC32-9353-D8CE-3C8703FE5B3C}"/>
+          <p:cNvPr id="25" name="Picture 24">
+            <a:extLst>
+              <a:ext uri="{FF2B5EF4-FFF2-40B4-BE49-F238E27FC236}">
+                <a16:creationId xmlns:a16="http://schemas.microsoft.com/office/drawing/2014/main" id="{F2913715-CE90-83DD-3F9B-BED1A466F928}"/>
               </a:ext>
             </a:extLst>
           </p:cNvPr>
@@ -7435,8 +7627,8 @@
         </p:blipFill>
         <p:spPr>
           <a:xfrm>
-            <a:off x="7307006" y="3961345"/>
-            <a:ext cx="4825644" cy="1675089"/>
+            <a:off x="7290451" y="4137856"/>
+            <a:ext cx="4589658" cy="1595657"/>
           </a:xfrm>
           <a:prstGeom prst="rect">
             <a:avLst/>
@@ -7538,13 +7730,13 @@
           <a:p>
             <a:r>
               <a:rPr lang="en-US" sz="1600" dirty="0"/>
-              <a:t>Decision Tree performs the worst overall, with the lowest AUC-ROC (62.6%) and precision (44.3%).</a:t>
+              <a:t>Decision Tree performs the worst overall, with the lowest AUC-ROC (62.3%) and precision (44.3%).</a:t>
             </a:r>
           </a:p>
           <a:p>
             <a:r>
               <a:rPr lang="en-US" sz="1600" dirty="0"/>
-              <a:t>Random Forest and Gradient Boosting show improvements in recall (42.5% and 43.6%, respectively), meaning they identify more mortality cases.</a:t>
+              <a:t>Random Forest and Gradient Boosting show improvements in recall (42.1% and 43.5%, respectively), meaning they identify more mortality cases.</a:t>
             </a:r>
           </a:p>
           <a:p>
@@ -7554,7 +7746,7 @@
             </a:r>
             <a:r>
               <a:rPr lang="en-US" sz="1600" dirty="0"/>
-              <a:t> performs the best, achieving the highest accuracy (80.8%) and AUC-ROC (81.2%), demonstrating a better balance of precision (74.8%) and recall (43.1%) compared to the other models.</a:t>
+              <a:t> performs the best, achieving the highest accuracy (80.8%) and AUC-ROC (81.1%), demonstrating a better balance of precision (74.8%) and recall (43.1%) compared to the other models.</a:t>
             </a:r>
           </a:p>
           <a:p>
@@ -7573,42 +7765,12 @@
           </a:p>
         </p:txBody>
       </p:sp>
-      <p:pic>
-        <p:nvPicPr>
-          <p:cNvPr id="8" name="Picture 7">
-            <a:extLst>
-              <a:ext uri="{FF2B5EF4-FFF2-40B4-BE49-F238E27FC236}">
-                <a16:creationId xmlns:a16="http://schemas.microsoft.com/office/drawing/2014/main" id="{50076488-7F84-FBCF-5390-E5154E714528}"/>
-              </a:ext>
-            </a:extLst>
-          </p:cNvPr>
-          <p:cNvPicPr>
-            <a:picLocks noChangeAspect="1"/>
-          </p:cNvPicPr>
-          <p:nvPr/>
-        </p:nvPicPr>
-        <p:blipFill>
-          <a:blip r:embed="rId2"/>
-          <a:stretch>
-            <a:fillRect/>
-          </a:stretch>
-        </p:blipFill>
-        <p:spPr>
-          <a:xfrm>
-            <a:off x="5963693" y="998036"/>
-            <a:ext cx="5682759" cy="4519146"/>
-          </a:xfrm>
-          <a:prstGeom prst="rect">
-            <a:avLst/>
-          </a:prstGeom>
-        </p:spPr>
-      </p:pic>
-      <p:sp>
-        <p:nvSpPr>
-          <p:cNvPr id="2" name="Title 1">
-            <a:extLst>
-              <a:ext uri="{FF2B5EF4-FFF2-40B4-BE49-F238E27FC236}">
-                <a16:creationId xmlns:a16="http://schemas.microsoft.com/office/drawing/2014/main" id="{7F865BA4-79DC-4AE8-4B8D-70BC0C211114}"/>
+      <p:sp>
+        <p:nvSpPr>
+          <p:cNvPr id="4" name="Title 1">
+            <a:extLst>
+              <a:ext uri="{FF2B5EF4-FFF2-40B4-BE49-F238E27FC236}">
+                <a16:creationId xmlns:a16="http://schemas.microsoft.com/office/drawing/2014/main" id="{A4C19F4F-8EBF-2D6C-3D45-2D5C39BABA94}"/>
               </a:ext>
             </a:extLst>
           </p:cNvPr>
@@ -7620,7 +7782,7 @@
         <p:spPr>
           <a:xfrm>
             <a:off x="395748" y="227474"/>
-            <a:ext cx="11137490" cy="401790"/>
+            <a:ext cx="11796252" cy="401790"/>
           </a:xfrm>
           <a:prstGeom prst="rect">
             <a:avLst/>
@@ -7651,12 +7813,58 @@
           </a:lstStyle>
           <a:p>
             <a:r>
-              <a:rPr lang="en-US" sz="2800" dirty="0"/>
-              <a:t>Step 4: Model Evaluation and Comparison(Continued)... </a:t>
-            </a:r>
-          </a:p>
-        </p:txBody>
-      </p:sp>
+              <a:rPr lang="en-US" sz="2600" dirty="0"/>
+              <a:t>Step 5: Model Evaluation and Comparison (</a:t>
+            </a:r>
+            <a:r>
+              <a:rPr lang="en-US" sz="2600" dirty="0" err="1"/>
+              <a:t>sklearn</a:t>
+            </a:r>
+            <a:r>
+              <a:rPr lang="en-US" sz="2600" dirty="0"/>
+              <a:t> models and </a:t>
+            </a:r>
+            <a:r>
+              <a:rPr lang="en-US" sz="2600" dirty="0" err="1"/>
+              <a:t>XGBoost</a:t>
+            </a:r>
+            <a:r>
+              <a:rPr lang="en-US" sz="2600" dirty="0"/>
+              <a:t>) (Continued)…</a:t>
+            </a:r>
+          </a:p>
+        </p:txBody>
+      </p:sp>
+      <p:pic>
+        <p:nvPicPr>
+          <p:cNvPr id="10" name="Picture 9">
+            <a:extLst>
+              <a:ext uri="{FF2B5EF4-FFF2-40B4-BE49-F238E27FC236}">
+                <a16:creationId xmlns:a16="http://schemas.microsoft.com/office/drawing/2014/main" id="{23F3032C-84BB-FBC9-65D0-C907176BBDC5}"/>
+              </a:ext>
+            </a:extLst>
+          </p:cNvPr>
+          <p:cNvPicPr>
+            <a:picLocks noChangeAspect="1"/>
+          </p:cNvPicPr>
+          <p:nvPr/>
+        </p:nvPicPr>
+        <p:blipFill>
+          <a:blip r:embed="rId2"/>
+          <a:stretch>
+            <a:fillRect/>
+          </a:stretch>
+        </p:blipFill>
+        <p:spPr>
+          <a:xfrm>
+            <a:off x="5963693" y="866804"/>
+            <a:ext cx="5811480" cy="4848756"/>
+          </a:xfrm>
+          <a:prstGeom prst="rect">
+            <a:avLst/>
+          </a:prstGeom>
+        </p:spPr>
+      </p:pic>
     </p:spTree>
     <p:extLst>
       <p:ext uri="{BB962C8B-B14F-4D97-AF65-F5344CB8AC3E}">
@@ -7761,42 +7969,12 @@
           </a:prstGeom>
         </p:spPr>
       </p:pic>
-      <p:pic>
-        <p:nvPicPr>
-          <p:cNvPr id="6" name="Picture 5">
-            <a:extLst>
-              <a:ext uri="{FF2B5EF4-FFF2-40B4-BE49-F238E27FC236}">
-                <a16:creationId xmlns:a16="http://schemas.microsoft.com/office/drawing/2014/main" id="{FF2326A6-3BFE-16D3-5BE6-D03E5EB17705}"/>
-              </a:ext>
-            </a:extLst>
-          </p:cNvPr>
-          <p:cNvPicPr>
-            <a:picLocks noChangeAspect="1"/>
-          </p:cNvPicPr>
-          <p:nvPr/>
-        </p:nvPicPr>
-        <p:blipFill>
-          <a:blip r:embed="rId3"/>
-          <a:stretch>
-            <a:fillRect/>
-          </a:stretch>
-        </p:blipFill>
-        <p:spPr>
-          <a:xfrm>
-            <a:off x="5635004" y="1842397"/>
-            <a:ext cx="6297259" cy="4788129"/>
-          </a:xfrm>
-          <a:prstGeom prst="rect">
-            <a:avLst/>
-          </a:prstGeom>
-        </p:spPr>
-      </p:pic>
-      <p:sp>
-        <p:nvSpPr>
-          <p:cNvPr id="7" name="Title 1">
-            <a:extLst>
-              <a:ext uri="{FF2B5EF4-FFF2-40B4-BE49-F238E27FC236}">
-                <a16:creationId xmlns:a16="http://schemas.microsoft.com/office/drawing/2014/main" id="{E0218747-78DF-A735-9814-E06CD1DB86B4}"/>
+      <p:sp>
+        <p:nvSpPr>
+          <p:cNvPr id="8" name="Title 1">
+            <a:extLst>
+              <a:ext uri="{FF2B5EF4-FFF2-40B4-BE49-F238E27FC236}">
+                <a16:creationId xmlns:a16="http://schemas.microsoft.com/office/drawing/2014/main" id="{579954F5-F7E1-475C-95C3-F9A69B3FD55C}"/>
               </a:ext>
             </a:extLst>
           </p:cNvPr>
@@ -7808,7 +7986,7 @@
         <p:spPr>
           <a:xfrm>
             <a:off x="395748" y="227474"/>
-            <a:ext cx="11137490" cy="401790"/>
+            <a:ext cx="11796252" cy="401790"/>
           </a:xfrm>
           <a:prstGeom prst="rect">
             <a:avLst/>
@@ -7839,12 +8017,58 @@
           </a:lstStyle>
           <a:p>
             <a:r>
-              <a:rPr lang="en-US" sz="2800" dirty="0"/>
-              <a:t>Step 4: Model Evaluation and Comparison(Continued)... </a:t>
-            </a:r>
-          </a:p>
-        </p:txBody>
-      </p:sp>
+              <a:rPr lang="en-US" sz="2600" dirty="0"/>
+              <a:t>Step 5: Model Evaluation and Comparison (</a:t>
+            </a:r>
+            <a:r>
+              <a:rPr lang="en-US" sz="2600" dirty="0" err="1"/>
+              <a:t>sklearn</a:t>
+            </a:r>
+            <a:r>
+              <a:rPr lang="en-US" sz="2600" dirty="0"/>
+              <a:t> models and </a:t>
+            </a:r>
+            <a:r>
+              <a:rPr lang="en-US" sz="2600" dirty="0" err="1"/>
+              <a:t>XGBoost</a:t>
+            </a:r>
+            <a:r>
+              <a:rPr lang="en-US" sz="2600" dirty="0"/>
+              <a:t>) (Continued)…</a:t>
+            </a:r>
+          </a:p>
+        </p:txBody>
+      </p:sp>
+      <p:pic>
+        <p:nvPicPr>
+          <p:cNvPr id="12" name="Picture 11">
+            <a:extLst>
+              <a:ext uri="{FF2B5EF4-FFF2-40B4-BE49-F238E27FC236}">
+                <a16:creationId xmlns:a16="http://schemas.microsoft.com/office/drawing/2014/main" id="{4A619B50-5C6D-D31D-7077-9CD1092A2590}"/>
+              </a:ext>
+            </a:extLst>
+          </p:cNvPr>
+          <p:cNvPicPr>
+            <a:picLocks noChangeAspect="1"/>
+          </p:cNvPicPr>
+          <p:nvPr/>
+        </p:nvPicPr>
+        <p:blipFill>
+          <a:blip r:embed="rId3"/>
+          <a:stretch>
+            <a:fillRect/>
+          </a:stretch>
+        </p:blipFill>
+        <p:spPr>
+          <a:xfrm>
+            <a:off x="5647178" y="1860535"/>
+            <a:ext cx="5649113" cy="4420217"/>
+          </a:xfrm>
+          <a:prstGeom prst="rect">
+            <a:avLst/>
+          </a:prstGeom>
+        </p:spPr>
+      </p:pic>
     </p:spTree>
     <p:extLst>
       <p:ext uri="{BB962C8B-B14F-4D97-AF65-F5344CB8AC3E}">
@@ -7900,7 +8124,7 @@
         <p:spPr>
           <a:xfrm>
             <a:off x="494393" y="862968"/>
-            <a:ext cx="3445425" cy="5132061"/>
+            <a:ext cx="4529891" cy="5132061"/>
           </a:xfrm>
         </p:spPr>
         <p:txBody>
@@ -7909,18 +8133,12 @@
           </a:bodyPr>
           <a:lstStyle/>
           <a:p>
-            <a:pPr marL="0" indent="0">
-              <a:buNone/>
-            </a:pPr>
             <a:r>
               <a:rPr lang="en-US" sz="1600" dirty="0"/>
               <a:t>This code visualizes the feature importance for each model, helping us understand which features have the most influence on the model's predictions.</a:t>
             </a:r>
           </a:p>
           <a:p>
-            <a:pPr marL="0" indent="0">
-              <a:buNone/>
-            </a:pPr>
             <a:r>
               <a:rPr lang="en-US" sz="1600" dirty="0"/>
               <a:t>Code plots the top 15 most important features for each model that supports </a:t>
@@ -7968,10 +8186,10 @@
       </p:pic>
       <p:sp>
         <p:nvSpPr>
-          <p:cNvPr id="7" name="Title 1">
-            <a:extLst>
-              <a:ext uri="{FF2B5EF4-FFF2-40B4-BE49-F238E27FC236}">
-                <a16:creationId xmlns:a16="http://schemas.microsoft.com/office/drawing/2014/main" id="{F45E2A54-72D0-0640-DCE5-2AA3044E6ED9}"/>
+          <p:cNvPr id="8" name="Title 1">
+            <a:extLst>
+              <a:ext uri="{FF2B5EF4-FFF2-40B4-BE49-F238E27FC236}">
+                <a16:creationId xmlns:a16="http://schemas.microsoft.com/office/drawing/2014/main" id="{F1184B9E-5A3C-1ED6-8FED-518B6B49F86E}"/>
               </a:ext>
             </a:extLst>
           </p:cNvPr>
@@ -7983,7 +8201,7 @@
         <p:spPr>
           <a:xfrm>
             <a:off x="395748" y="227474"/>
-            <a:ext cx="11137490" cy="401790"/>
+            <a:ext cx="11796252" cy="401790"/>
           </a:xfrm>
           <a:prstGeom prst="rect">
             <a:avLst/>
@@ -8014,8 +8232,24 @@
           </a:lstStyle>
           <a:p>
             <a:r>
-              <a:rPr lang="en-US" sz="2800" dirty="0"/>
-              <a:t>Step 4: Model Evaluation and Comparison(Continued)... </a:t>
+              <a:rPr lang="en-US" sz="2600" dirty="0"/>
+              <a:t>Step 5: Model Evaluation and Comparison (</a:t>
+            </a:r>
+            <a:r>
+              <a:rPr lang="en-US" sz="2600" dirty="0" err="1"/>
+              <a:t>sklearn</a:t>
+            </a:r>
+            <a:r>
+              <a:rPr lang="en-US" sz="2600" dirty="0"/>
+              <a:t> models and </a:t>
+            </a:r>
+            <a:r>
+              <a:rPr lang="en-US" sz="2600" dirty="0" err="1"/>
+              <a:t>XGBoost</a:t>
+            </a:r>
+            <a:r>
+              <a:rPr lang="en-US" sz="2600" dirty="0"/>
+              <a:t>) (Continued)…</a:t>
             </a:r>
           </a:p>
         </p:txBody>
@@ -8056,42 +8290,12 @@
           <a:chExt cx="0" cy="0"/>
         </a:xfrm>
       </p:grpSpPr>
-      <p:pic>
-        <p:nvPicPr>
-          <p:cNvPr id="6" name="Picture 5">
-            <a:extLst>
-              <a:ext uri="{FF2B5EF4-FFF2-40B4-BE49-F238E27FC236}">
-                <a16:creationId xmlns:a16="http://schemas.microsoft.com/office/drawing/2014/main" id="{537AC95A-A0F0-665E-877C-12B113A2C134}"/>
-              </a:ext>
-            </a:extLst>
-          </p:cNvPr>
-          <p:cNvPicPr>
-            <a:picLocks noChangeAspect="1"/>
-          </p:cNvPicPr>
-          <p:nvPr/>
-        </p:nvPicPr>
-        <p:blipFill>
-          <a:blip r:embed="rId2"/>
-          <a:stretch>
-            <a:fillRect/>
-          </a:stretch>
-        </p:blipFill>
-        <p:spPr>
-          <a:xfrm>
-            <a:off x="556521" y="1058783"/>
-            <a:ext cx="10637342" cy="5370776"/>
-          </a:xfrm>
-          <a:prstGeom prst="rect">
-            <a:avLst/>
-          </a:prstGeom>
-        </p:spPr>
-      </p:pic>
-      <p:sp>
-        <p:nvSpPr>
-          <p:cNvPr id="5" name="Title 1">
-            <a:extLst>
-              <a:ext uri="{FF2B5EF4-FFF2-40B4-BE49-F238E27FC236}">
-                <a16:creationId xmlns:a16="http://schemas.microsoft.com/office/drawing/2014/main" id="{70E6D046-9528-52DB-0F52-512D212C2678}"/>
+      <p:sp>
+        <p:nvSpPr>
+          <p:cNvPr id="8" name="Title 1">
+            <a:extLst>
+              <a:ext uri="{FF2B5EF4-FFF2-40B4-BE49-F238E27FC236}">
+                <a16:creationId xmlns:a16="http://schemas.microsoft.com/office/drawing/2014/main" id="{25648448-3433-8E87-5787-540A6CA65656}"/>
               </a:ext>
             </a:extLst>
           </p:cNvPr>
@@ -8103,7 +8307,7 @@
         <p:spPr>
           <a:xfrm>
             <a:off x="395748" y="227474"/>
-            <a:ext cx="11137490" cy="401790"/>
+            <a:ext cx="11796252" cy="401790"/>
           </a:xfrm>
           <a:prstGeom prst="rect">
             <a:avLst/>
@@ -8134,12 +8338,58 @@
           </a:lstStyle>
           <a:p>
             <a:r>
-              <a:rPr lang="en-US" sz="2800" dirty="0"/>
-              <a:t>Step 4: Model Evaluation and Comparison(Continued)... </a:t>
-            </a:r>
-          </a:p>
-        </p:txBody>
-      </p:sp>
+              <a:rPr lang="en-US" sz="2600" dirty="0"/>
+              <a:t>Step 5: Model Evaluation and Comparison (</a:t>
+            </a:r>
+            <a:r>
+              <a:rPr lang="en-US" sz="2600" dirty="0" err="1"/>
+              <a:t>sklearn</a:t>
+            </a:r>
+            <a:r>
+              <a:rPr lang="en-US" sz="2600" dirty="0"/>
+              <a:t> models and </a:t>
+            </a:r>
+            <a:r>
+              <a:rPr lang="en-US" sz="2600" dirty="0" err="1"/>
+              <a:t>XGBoost</a:t>
+            </a:r>
+            <a:r>
+              <a:rPr lang="en-US" sz="2600" dirty="0"/>
+              <a:t>) (Continued)…</a:t>
+            </a:r>
+          </a:p>
+        </p:txBody>
+      </p:sp>
+      <p:pic>
+        <p:nvPicPr>
+          <p:cNvPr id="12" name="Picture 11">
+            <a:extLst>
+              <a:ext uri="{FF2B5EF4-FFF2-40B4-BE49-F238E27FC236}">
+                <a16:creationId xmlns:a16="http://schemas.microsoft.com/office/drawing/2014/main" id="{CE79A000-2920-C66E-C090-C6E136D894BC}"/>
+              </a:ext>
+            </a:extLst>
+          </p:cNvPr>
+          <p:cNvPicPr>
+            <a:picLocks noChangeAspect="1"/>
+          </p:cNvPicPr>
+          <p:nvPr/>
+        </p:nvPicPr>
+        <p:blipFill>
+          <a:blip r:embed="rId2"/>
+          <a:stretch>
+            <a:fillRect/>
+          </a:stretch>
+        </p:blipFill>
+        <p:spPr>
+          <a:xfrm>
+            <a:off x="652820" y="932105"/>
+            <a:ext cx="10040785" cy="4993789"/>
+          </a:xfrm>
+          <a:prstGeom prst="rect">
+            <a:avLst/>
+          </a:prstGeom>
+        </p:spPr>
+      </p:pic>
       <p:sp>
         <p:nvSpPr>
           <p:cNvPr id="7" name="TextBox 6">
@@ -8211,12 +8461,105 @@
           <a:chExt cx="0" cy="0"/>
         </a:xfrm>
       </p:grpSpPr>
-      <p:sp>
-        <p:nvSpPr>
-          <p:cNvPr id="5" name="Title 1">
-            <a:extLst>
-              <a:ext uri="{FF2B5EF4-FFF2-40B4-BE49-F238E27FC236}">
-                <a16:creationId xmlns:a16="http://schemas.microsoft.com/office/drawing/2014/main" id="{C5C718B8-08FA-C212-4140-5E4834D2B5ED}"/>
+      <p:pic>
+        <p:nvPicPr>
+          <p:cNvPr id="3" name="Picture 2">
+            <a:extLst>
+              <a:ext uri="{FF2B5EF4-FFF2-40B4-BE49-F238E27FC236}">
+                <a16:creationId xmlns:a16="http://schemas.microsoft.com/office/drawing/2014/main" id="{17843BD2-670D-1328-7DCE-38CF17E9EEB3}"/>
+              </a:ext>
+            </a:extLst>
+          </p:cNvPr>
+          <p:cNvPicPr>
+            <a:picLocks noChangeAspect="1"/>
+          </p:cNvPicPr>
+          <p:nvPr/>
+        </p:nvPicPr>
+        <p:blipFill>
+          <a:blip r:embed="rId2"/>
+          <a:stretch>
+            <a:fillRect/>
+          </a:stretch>
+        </p:blipFill>
+        <p:spPr>
+          <a:xfrm>
+            <a:off x="441388" y="886952"/>
+            <a:ext cx="5654612" cy="5084096"/>
+          </a:xfrm>
+          <a:prstGeom prst="rect">
+            <a:avLst/>
+          </a:prstGeom>
+        </p:spPr>
+      </p:pic>
+      <p:sp>
+        <p:nvSpPr>
+          <p:cNvPr id="8" name="TextBox 7">
+            <a:extLst>
+              <a:ext uri="{FF2B5EF4-FFF2-40B4-BE49-F238E27FC236}">
+                <a16:creationId xmlns:a16="http://schemas.microsoft.com/office/drawing/2014/main" id="{6C609CA3-8340-6529-7A93-1D4B452D0290}"/>
+              </a:ext>
+            </a:extLst>
+          </p:cNvPr>
+          <p:cNvSpPr txBox="1"/>
+          <p:nvPr/>
+        </p:nvSpPr>
+        <p:spPr>
+          <a:xfrm>
+            <a:off x="6096000" y="3707842"/>
+            <a:ext cx="5972070" cy="2554545"/>
+          </a:xfrm>
+          <a:prstGeom prst="rect">
+            <a:avLst/>
+          </a:prstGeom>
+          <a:noFill/>
+        </p:spPr>
+        <p:txBody>
+          <a:bodyPr wrap="square" rtlCol="0">
+            <a:spAutoFit/>
+          </a:bodyPr>
+          <a:lstStyle/>
+          <a:p>
+            <a:r>
+              <a:rPr lang="en-US" sz="1600" dirty="0"/>
+              <a:t>This shows hyperparameter tuning of best performing model(</a:t>
+            </a:r>
+            <a:r>
+              <a:rPr lang="en-US" sz="1600" dirty="0" err="1"/>
+              <a:t>XGBoost</a:t>
+            </a:r>
+            <a:r>
+              <a:rPr lang="en-US" sz="1600" dirty="0"/>
+              <a:t>) we found in earlier steps.</a:t>
+            </a:r>
+          </a:p>
+          <a:p>
+            <a:pPr marL="285750" indent="-285750">
+              <a:buFont typeface="Arial" panose="020B0604020202020204" pitchFamily="34" charset="0"/>
+              <a:buChar char="•"/>
+            </a:pPr>
+            <a:r>
+              <a:rPr lang="en-US" sz="1600" dirty="0"/>
+              <a:t>After tuning,  unfortunately model’s performance worsened. The model's accuracy dropped from 80.7% to 72.3%, and more importantly, its recall for mortality cases significantly declined to 3.7%. </a:t>
+            </a:r>
+          </a:p>
+          <a:p>
+            <a:pPr marL="285750" indent="-285750">
+              <a:buFont typeface="Arial" panose="020B0604020202020204" pitchFamily="34" charset="0"/>
+              <a:buChar char="•"/>
+            </a:pPr>
+            <a:r>
+              <a:rPr lang="en-US" sz="1600" dirty="0"/>
+              <a:t>This suggests that the tuned hyperparameters may have overfitted to training data or altered the balance between precision and recall, making the model less effective at identifying critical cases. So out earlier model was better.</a:t>
+            </a:r>
+          </a:p>
+        </p:txBody>
+      </p:sp>
+      <p:sp>
+        <p:nvSpPr>
+          <p:cNvPr id="9" name="Title 1">
+            <a:extLst>
+              <a:ext uri="{FF2B5EF4-FFF2-40B4-BE49-F238E27FC236}">
+                <a16:creationId xmlns:a16="http://schemas.microsoft.com/office/drawing/2014/main" id="{5037BAE2-2058-57C5-4EDC-ADEFC8E76D7A}"/>
               </a:ext>
             </a:extLst>
           </p:cNvPr>
@@ -8227,8 +8570,8 @@
         </p:nvSpPr>
         <p:spPr>
           <a:xfrm>
-            <a:off x="309881" y="257926"/>
-            <a:ext cx="11137490" cy="401790"/>
+            <a:off x="395748" y="227474"/>
+            <a:ext cx="11796252" cy="401790"/>
           </a:xfrm>
           <a:prstGeom prst="rect">
             <a:avLst/>
@@ -8259,48 +8602,34 @@
           </a:lstStyle>
           <a:p>
             <a:r>
-              <a:rPr lang="en-US" sz="2800" dirty="0"/>
-              <a:t>Step 4: Model Evaluation and Comparison(Continued)... </a:t>
+              <a:rPr lang="en-US" sz="2600" dirty="0"/>
+              <a:t>Step 5: Model Evaluation and Comparison (</a:t>
+            </a:r>
+            <a:r>
+              <a:rPr lang="en-US" sz="2600" dirty="0" err="1"/>
+              <a:t>sklearn</a:t>
+            </a:r>
+            <a:r>
+              <a:rPr lang="en-US" sz="2600" dirty="0"/>
+              <a:t> models and </a:t>
+            </a:r>
+            <a:r>
+              <a:rPr lang="en-US" sz="2600" dirty="0" err="1"/>
+              <a:t>XGBoost</a:t>
+            </a:r>
+            <a:r>
+              <a:rPr lang="en-US" sz="2600" dirty="0"/>
+              <a:t>) (Continued)…</a:t>
             </a:r>
           </a:p>
         </p:txBody>
       </p:sp>
       <p:pic>
         <p:nvPicPr>
-          <p:cNvPr id="3" name="Picture 2">
-            <a:extLst>
-              <a:ext uri="{FF2B5EF4-FFF2-40B4-BE49-F238E27FC236}">
-                <a16:creationId xmlns:a16="http://schemas.microsoft.com/office/drawing/2014/main" id="{17843BD2-670D-1328-7DCE-38CF17E9EEB3}"/>
-              </a:ext>
-            </a:extLst>
-          </p:cNvPr>
-          <p:cNvPicPr>
-            <a:picLocks noChangeAspect="1"/>
-          </p:cNvPicPr>
-          <p:nvPr/>
-        </p:nvPicPr>
-        <p:blipFill>
-          <a:blip r:embed="rId2"/>
-          <a:stretch>
-            <a:fillRect/>
-          </a:stretch>
-        </p:blipFill>
-        <p:spPr>
-          <a:xfrm>
-            <a:off x="228010" y="886952"/>
-            <a:ext cx="5654612" cy="5084096"/>
-          </a:xfrm>
-          <a:prstGeom prst="rect">
-            <a:avLst/>
-          </a:prstGeom>
-        </p:spPr>
-      </p:pic>
-      <p:pic>
-        <p:nvPicPr>
-          <p:cNvPr id="7" name="Picture 6">
-            <a:extLst>
-              <a:ext uri="{FF2B5EF4-FFF2-40B4-BE49-F238E27FC236}">
-                <a16:creationId xmlns:a16="http://schemas.microsoft.com/office/drawing/2014/main" id="{2202BD4C-8BD7-69CC-CF50-E89F5CD7D514}"/>
+          <p:cNvPr id="11" name="Picture 10">
+            <a:extLst>
+              <a:ext uri="{FF2B5EF4-FFF2-40B4-BE49-F238E27FC236}">
+                <a16:creationId xmlns:a16="http://schemas.microsoft.com/office/drawing/2014/main" id="{68218CE1-B09A-6662-0E02-9DA2A609840A}"/>
               </a:ext>
             </a:extLst>
           </p:cNvPr>
@@ -8317,77 +8646,14 @@
         </p:blipFill>
         <p:spPr>
           <a:xfrm>
-            <a:off x="6309380" y="886952"/>
-            <a:ext cx="3943533" cy="2593654"/>
+            <a:off x="6293874" y="833617"/>
+            <a:ext cx="3841820" cy="2669871"/>
           </a:xfrm>
           <a:prstGeom prst="rect">
             <a:avLst/>
           </a:prstGeom>
         </p:spPr>
       </p:pic>
-      <p:sp>
-        <p:nvSpPr>
-          <p:cNvPr id="8" name="TextBox 7">
-            <a:extLst>
-              <a:ext uri="{FF2B5EF4-FFF2-40B4-BE49-F238E27FC236}">
-                <a16:creationId xmlns:a16="http://schemas.microsoft.com/office/drawing/2014/main" id="{6C609CA3-8340-6529-7A93-1D4B452D0290}"/>
-              </a:ext>
-            </a:extLst>
-          </p:cNvPr>
-          <p:cNvSpPr txBox="1"/>
-          <p:nvPr/>
-        </p:nvSpPr>
-        <p:spPr>
-          <a:xfrm>
-            <a:off x="6096000" y="3707842"/>
-            <a:ext cx="5972070" cy="2554545"/>
-          </a:xfrm>
-          <a:prstGeom prst="rect">
-            <a:avLst/>
-          </a:prstGeom>
-          <a:noFill/>
-        </p:spPr>
-        <p:txBody>
-          <a:bodyPr wrap="square" rtlCol="0">
-            <a:spAutoFit/>
-          </a:bodyPr>
-          <a:lstStyle/>
-          <a:p>
-            <a:r>
-              <a:rPr lang="en-US" sz="1600" dirty="0"/>
-              <a:t>This shows hyperparameter tuning of best performing model(</a:t>
-            </a:r>
-            <a:r>
-              <a:rPr lang="en-US" sz="1600" dirty="0" err="1"/>
-              <a:t>XGBoost</a:t>
-            </a:r>
-            <a:r>
-              <a:rPr lang="en-US" sz="1600" dirty="0"/>
-              <a:t>) we found in earlier steps.</a:t>
-            </a:r>
-          </a:p>
-          <a:p>
-            <a:pPr marL="285750" indent="-285750">
-              <a:buFont typeface="Arial" panose="020B0604020202020204" pitchFamily="34" charset="0"/>
-              <a:buChar char="•"/>
-            </a:pPr>
-            <a:r>
-              <a:rPr lang="en-US" sz="1600" dirty="0"/>
-              <a:t>After tuning,  unfortunately model’s performance worsened. The model's accuracy dropped from 80.8% to 72.4%, and more importantly, its recall for mortality cases significantly declined to 3.7%. </a:t>
-            </a:r>
-          </a:p>
-          <a:p>
-            <a:pPr marL="285750" indent="-285750">
-              <a:buFont typeface="Arial" panose="020B0604020202020204" pitchFamily="34" charset="0"/>
-              <a:buChar char="•"/>
-            </a:pPr>
-            <a:r>
-              <a:rPr lang="en-US" sz="1600" dirty="0"/>
-              <a:t>This suggests that the tuned hyperparameters may have overfitted to training data or altered the balance between precision and recall, making the model less effective at identifying critical cases. So out earlier model was better.</a:t>
-            </a:r>
-          </a:p>
-        </p:txBody>
-      </p:sp>
     </p:spTree>
     <p:extLst>
       <p:ext uri="{BB962C8B-B14F-4D97-AF65-F5344CB8AC3E}">
@@ -8473,7 +8739,7 @@
           <a:p>
             <a:r>
               <a:rPr lang="en-US" sz="2800" dirty="0"/>
-              <a:t>Step 5: Evaluate Neural Network Model</a:t>
+              <a:t>Step 6: Evaluate Neural Network Model</a:t>
             </a:r>
           </a:p>
         </p:txBody>
@@ -8493,7 +8759,7 @@
         <p:spPr>
           <a:xfrm>
             <a:off x="395747" y="806696"/>
-            <a:ext cx="5090653" cy="5262979"/>
+            <a:ext cx="5350932" cy="5262979"/>
           </a:xfrm>
           <a:prstGeom prst="rect">
             <a:avLst/>
@@ -8597,7 +8863,7 @@
             </a:r>
             <a:r>
               <a:rPr lang="en-US" sz="1600" dirty="0"/>
-              <a:t> optimizer is chosen for efficient weight updates while reducing overfitting.</a:t>
+              <a:t> optimizer is chosen for efficient weight updates.</a:t>
             </a:r>
           </a:p>
           <a:p>
@@ -8644,8 +8910,8 @@
         </p:blipFill>
         <p:spPr>
           <a:xfrm>
-            <a:off x="7202407" y="886374"/>
-            <a:ext cx="4593846" cy="5744152"/>
+            <a:off x="6219179" y="815714"/>
+            <a:ext cx="4832277" cy="6042286"/>
           </a:xfrm>
           <a:prstGeom prst="rect">
             <a:avLst/>
@@ -8840,30 +9106,36 @@
               <a:buNone/>
             </a:pPr>
             <a:r>
-              <a:rPr lang="en-US" sz="1800" dirty="0">
+              <a:rPr lang="en-US" sz="1600" dirty="0">
                 <a:hlinkClick r:id="rId3"/>
               </a:rPr>
               <a:t>https://colab.research.google.com/github/AnkitaSavaliya/AIH/blob/main/MIMIC-IV_MORTALITY_PREDICTION_ARF.ipynb</a:t>
             </a:r>
-            <a:endParaRPr lang="en-US" sz="1800" dirty="0"/>
+            <a:endParaRPr lang="en-US" sz="1600" dirty="0"/>
           </a:p>
           <a:p>
             <a:pPr marL="0" indent="0">
               <a:buNone/>
             </a:pPr>
             <a:r>
-              <a:rPr lang="en-US" sz="1800" dirty="0">
+              <a:rPr lang="en-US" sz="1600" dirty="0">
                 <a:hlinkClick r:id="rId4"/>
               </a:rPr>
-              <a:t>https://github.com/AnkitaSavaliya/AIH/blob/main/MIMIC-IV_MORTALITY_PREDICTION_ARF</a:t>
-            </a:r>
-            <a:r>
-              <a:rPr lang="en-US" sz="1800">
-                <a:hlinkClick r:id="rId4"/>
+              <a:t>https://github.com/AnkitaSavaliya/AIH/blob/main/MIMIC-IV_MORTALITY_PREDICTION_ARF.ipynb</a:t>
+            </a:r>
+            <a:endParaRPr lang="en-US" sz="1600" dirty="0"/>
+          </a:p>
+          <a:p>
+            <a:pPr marL="0" indent="0">
+              <a:buNone/>
+            </a:pPr>
+            <a:r>
+              <a:rPr lang="en-US" sz="1600" dirty="0">
+                <a:hlinkClick r:id="rId5"/>
               </a:rPr>
-              <a:t>.ipynb</a:t>
-            </a:r>
-            <a:endParaRPr lang="en-US" sz="1800"/>
+              <a:t>https://github.com/AnkitaSavaliya/AIH/blob/main/ML-DL_MIMIC-IV_ARF_MORTALITY_PREDICTION.pptx</a:t>
+            </a:r>
+            <a:endParaRPr lang="en-US" sz="1600" dirty="0"/>
           </a:p>
           <a:p>
             <a:pPr marL="0" indent="0">
@@ -8954,36 +9226,6 @@
           </a:prstGeom>
         </p:spPr>
       </p:pic>
-      <p:pic>
-        <p:nvPicPr>
-          <p:cNvPr id="3" name="Picture 2">
-            <a:extLst>
-              <a:ext uri="{FF2B5EF4-FFF2-40B4-BE49-F238E27FC236}">
-                <a16:creationId xmlns:a16="http://schemas.microsoft.com/office/drawing/2014/main" id="{042A215B-38A8-09D2-E15D-3D78C5DE8166}"/>
-              </a:ext>
-            </a:extLst>
-          </p:cNvPr>
-          <p:cNvPicPr>
-            <a:picLocks noChangeAspect="1"/>
-          </p:cNvPicPr>
-          <p:nvPr/>
-        </p:nvPicPr>
-        <p:blipFill>
-          <a:blip r:embed="rId3"/>
-          <a:stretch>
-            <a:fillRect/>
-          </a:stretch>
-        </p:blipFill>
-        <p:spPr>
-          <a:xfrm>
-            <a:off x="6769159" y="902297"/>
-            <a:ext cx="3350191" cy="2622801"/>
-          </a:xfrm>
-          <a:prstGeom prst="rect">
-            <a:avLst/>
-          </a:prstGeom>
-        </p:spPr>
-      </p:pic>
       <p:sp>
         <p:nvSpPr>
           <p:cNvPr id="4" name="TextBox 3">
@@ -9113,11 +9355,41 @@
           <a:p>
             <a:r>
               <a:rPr lang="en-US" sz="2800" dirty="0"/>
-              <a:t>Step 5: Evaluate Neural Network Model(Continued)... </a:t>
-            </a:r>
-          </a:p>
-        </p:txBody>
-      </p:sp>
+              <a:t>Step 6: Evaluate Neural Network Model(Continued)... </a:t>
+            </a:r>
+          </a:p>
+        </p:txBody>
+      </p:sp>
+      <p:pic>
+        <p:nvPicPr>
+          <p:cNvPr id="9" name="Picture 8">
+            <a:extLst>
+              <a:ext uri="{FF2B5EF4-FFF2-40B4-BE49-F238E27FC236}">
+                <a16:creationId xmlns:a16="http://schemas.microsoft.com/office/drawing/2014/main" id="{CE3945FC-9593-81BB-406A-2EC8995B6D8A}"/>
+              </a:ext>
+            </a:extLst>
+          </p:cNvPr>
+          <p:cNvPicPr>
+            <a:picLocks noChangeAspect="1"/>
+          </p:cNvPicPr>
+          <p:nvPr/>
+        </p:nvPicPr>
+        <p:blipFill>
+          <a:blip r:embed="rId3"/>
+          <a:stretch>
+            <a:fillRect/>
+          </a:stretch>
+        </p:blipFill>
+        <p:spPr>
+          <a:xfrm>
+            <a:off x="6856877" y="902297"/>
+            <a:ext cx="3462781" cy="2585180"/>
+          </a:xfrm>
+          <a:prstGeom prst="rect">
+            <a:avLst/>
+          </a:prstGeom>
+        </p:spPr>
+      </p:pic>
     </p:spTree>
     <p:extLst>
       <p:ext uri="{BB962C8B-B14F-4D97-AF65-F5344CB8AC3E}">
@@ -9154,36 +9426,6 @@
           <a:chExt cx="0" cy="0"/>
         </a:xfrm>
       </p:grpSpPr>
-      <p:pic>
-        <p:nvPicPr>
-          <p:cNvPr id="3" name="Picture 2">
-            <a:extLst>
-              <a:ext uri="{FF2B5EF4-FFF2-40B4-BE49-F238E27FC236}">
-                <a16:creationId xmlns:a16="http://schemas.microsoft.com/office/drawing/2014/main" id="{DABF2824-572B-EAB0-A3E2-8515746AC8D0}"/>
-              </a:ext>
-            </a:extLst>
-          </p:cNvPr>
-          <p:cNvPicPr>
-            <a:picLocks noChangeAspect="1"/>
-          </p:cNvPicPr>
-          <p:nvPr/>
-        </p:nvPicPr>
-        <p:blipFill>
-          <a:blip r:embed="rId2"/>
-          <a:stretch>
-            <a:fillRect/>
-          </a:stretch>
-        </p:blipFill>
-        <p:spPr>
-          <a:xfrm>
-            <a:off x="1921501" y="1700058"/>
-            <a:ext cx="7852467" cy="5059619"/>
-          </a:xfrm>
-          <a:prstGeom prst="rect">
-            <a:avLst/>
-          </a:prstGeom>
-        </p:spPr>
-      </p:pic>
       <p:sp>
         <p:nvSpPr>
           <p:cNvPr id="4" name="Title 1">
@@ -9233,7 +9475,7 @@
           <a:p>
             <a:r>
               <a:rPr lang="en-US" sz="2800" dirty="0"/>
-              <a:t>Step 5: Evaluate Neural Network Model(Continued)... </a:t>
+              <a:t>Step 7: Visualize all models metrics</a:t>
             </a:r>
           </a:p>
         </p:txBody>
@@ -9273,6 +9515,36 @@
           </a:p>
         </p:txBody>
       </p:sp>
+      <p:pic>
+        <p:nvPicPr>
+          <p:cNvPr id="10" name="Picture 9">
+            <a:extLst>
+              <a:ext uri="{FF2B5EF4-FFF2-40B4-BE49-F238E27FC236}">
+                <a16:creationId xmlns:a16="http://schemas.microsoft.com/office/drawing/2014/main" id="{668AFCDC-C259-2D54-F88A-2C4D8A40DA30}"/>
+              </a:ext>
+            </a:extLst>
+          </p:cNvPr>
+          <p:cNvPicPr>
+            <a:picLocks noChangeAspect="1"/>
+          </p:cNvPicPr>
+          <p:nvPr/>
+        </p:nvPicPr>
+        <p:blipFill>
+          <a:blip r:embed="rId2"/>
+          <a:stretch>
+            <a:fillRect/>
+          </a:stretch>
+        </p:blipFill>
+        <p:spPr>
+          <a:xfrm>
+            <a:off x="1704577" y="1659421"/>
+            <a:ext cx="8363871" cy="5198579"/>
+          </a:xfrm>
+          <a:prstGeom prst="rect">
+            <a:avLst/>
+          </a:prstGeom>
+        </p:spPr>
+      </p:pic>
     </p:spTree>
     <p:extLst>
       <p:ext uri="{BB962C8B-B14F-4D97-AF65-F5344CB8AC3E}">
@@ -9335,7 +9607,7 @@
               <a:buNone/>
             </a:pPr>
             <a:r>
-              <a:rPr lang="en-US" sz="1600" b="1" dirty="0"/>
+              <a:rPr lang="en-US" sz="1800" b="1" dirty="0"/>
               <a:t>Conclusion :</a:t>
             </a:r>
           </a:p>
@@ -9361,7 +9633,7 @@
               <a:buNone/>
             </a:pPr>
             <a:r>
-              <a:rPr lang="en-US" sz="1600" b="1" dirty="0"/>
+              <a:rPr lang="en-US" sz="1800" b="1" dirty="0"/>
               <a:t>Future improvements:</a:t>
             </a:r>
           </a:p>
@@ -9484,8 +9756,8 @@
         </p:nvSpPr>
         <p:spPr>
           <a:xfrm>
-            <a:off x="553063" y="5465815"/>
-            <a:ext cx="8340132" cy="646331"/>
+            <a:off x="444908" y="5360403"/>
+            <a:ext cx="8340132" cy="584775"/>
           </a:xfrm>
           <a:prstGeom prst="rect">
             <a:avLst/>
@@ -9516,29 +9788,29 @@
           <a:lstStyle/>
           <a:p>
             <a:r>
-              <a:rPr lang="en-US" dirty="0"/>
+              <a:rPr lang="en-US" sz="1600" dirty="0"/>
               <a:t>Import libraries in Google </a:t>
             </a:r>
             <a:r>
-              <a:rPr lang="en-US" dirty="0" err="1"/>
+              <a:rPr lang="en-US" sz="1600" dirty="0" err="1"/>
               <a:t>Colab</a:t>
             </a:r>
             <a:r>
-              <a:rPr lang="en-US" dirty="0"/>
+              <a:rPr lang="en-US" sz="1600" dirty="0"/>
               <a:t> like pandas, </a:t>
             </a:r>
             <a:r>
-              <a:rPr lang="en-US" dirty="0" err="1"/>
+              <a:rPr lang="en-US" sz="1600" dirty="0" err="1"/>
               <a:t>sklern</a:t>
             </a:r>
             <a:r>
-              <a:rPr lang="en-US" dirty="0"/>
+              <a:rPr lang="en-US" sz="1600" dirty="0"/>
               <a:t>, matplotlib, torch etc.</a:t>
             </a:r>
           </a:p>
           <a:p>
             <a:r>
-              <a:rPr lang="en-US" dirty="0"/>
+              <a:rPr lang="en-US" sz="1600" dirty="0"/>
               <a:t>Mount Google Drive where MIMIC-IV CSV files are stored.</a:t>
             </a:r>
           </a:p>
@@ -9654,7 +9926,7 @@
         <p:spPr>
           <a:xfrm>
             <a:off x="568502" y="5456255"/>
-            <a:ext cx="10707594" cy="923330"/>
+            <a:ext cx="10707594" cy="584775"/>
           </a:xfrm>
           <a:prstGeom prst="rect">
             <a:avLst/>
@@ -9668,23 +9940,23 @@
           <a:lstStyle/>
           <a:p>
             <a:r>
-              <a:rPr lang="en-US" dirty="0"/>
+              <a:rPr lang="en-US" sz="1600" dirty="0"/>
               <a:t>This function reads a given CSV file from the MIMIC-IV dataset (stored in Google Drive) and returns a pandas </a:t>
             </a:r>
             <a:r>
-              <a:rPr lang="en-US" dirty="0" err="1"/>
+              <a:rPr lang="en-US" sz="1600" dirty="0" err="1"/>
               <a:t>DataFrame</a:t>
             </a:r>
             <a:r>
-              <a:rPr lang="en-US" dirty="0"/>
+              <a:rPr lang="en-US" sz="1600" dirty="0"/>
               <a:t>. Some files, like </a:t>
             </a:r>
             <a:r>
-              <a:rPr lang="en-US" i="1" dirty="0" err="1"/>
+              <a:rPr lang="en-US" sz="1600" i="1" dirty="0" err="1"/>
               <a:t>labevents</a:t>
             </a:r>
             <a:r>
-              <a:rPr lang="en-US" dirty="0"/>
+              <a:rPr lang="en-US" sz="1600" dirty="0"/>
               <a:t>, are very large, so this method supports reading in chunks to optimize memory usage.</a:t>
             </a:r>
           </a:p>
@@ -9782,7 +10054,7 @@
               <a:buNone/>
             </a:pPr>
             <a:r>
-              <a:rPr lang="en-US" sz="1800" dirty="0"/>
+              <a:rPr lang="en-US" sz="1600" dirty="0"/>
               <a:t>This part filters diagnoses using ICD-9 and ICD-10 codes related to Acute Respiratory Failure (ARF) and merges the filtered data with the admissions, patients, and ICU stays tables. Additionally, unnecessary columns are dropped, duplicates are removed, and the dataset is reset for a clean structure.</a:t>
             </a:r>
           </a:p>
@@ -9946,8 +10218,8 @@
         </p:blipFill>
         <p:spPr>
           <a:xfrm>
-            <a:off x="486183" y="877975"/>
-            <a:ext cx="6221705" cy="3502480"/>
+            <a:off x="486183" y="735352"/>
+            <a:ext cx="6475056" cy="3645103"/>
           </a:xfrm>
           <a:prstGeom prst="rect">
             <a:avLst/>
@@ -9976,8 +10248,8 @@
         </p:blipFill>
         <p:spPr>
           <a:xfrm>
-            <a:off x="6233652" y="1386350"/>
-            <a:ext cx="5847585" cy="4085299"/>
+            <a:off x="6096000" y="1408875"/>
+            <a:ext cx="6021030" cy="4206473"/>
           </a:xfrm>
           <a:prstGeom prst="rect">
             <a:avLst/>
@@ -9998,7 +10270,7 @@
         </p:nvSpPr>
         <p:spPr>
           <a:xfrm>
-            <a:off x="395748" y="4629166"/>
+            <a:off x="395748" y="4549676"/>
             <a:ext cx="5074417" cy="2308324"/>
           </a:xfrm>
           <a:prstGeom prst="rect">
@@ -10012,17 +10284,41 @@
           </a:bodyPr>
           <a:lstStyle/>
           <a:p>
-            <a:r>
-              <a:rPr lang="en-US" dirty="0"/>
+            <a:pPr marL="285750" indent="-285750">
+              <a:buFont typeface="Arial" panose="020B0604020202020204" pitchFamily="34" charset="0"/>
+              <a:buChar char="•"/>
+            </a:pPr>
+            <a:r>
+              <a:rPr lang="en-US" sz="1600" dirty="0"/>
               <a:t>Lab tests, such as oxygen saturation, pH, </a:t>
             </a:r>
             <a:r>
-              <a:rPr lang="en-US" dirty="0" err="1"/>
+              <a:rPr lang="en-US" sz="1600" dirty="0" err="1"/>
               <a:t>pCO</a:t>
             </a:r>
             <a:r>
-              <a:rPr lang="en-US" dirty="0"/>
-              <a:t>₂, and bicarbonate levels, are critical indicators of respiratory function and can serve as important features for mortality prediction. This code filters ARF-specific lab events and merges the datasets. To manage the large volume of lab event data efficiently, we processed it in chunks, ensuring memory optimization throughout the process.</a:t>
+              <a:rPr lang="en-US" sz="1600" dirty="0"/>
+              <a:t>₂, and bicarbonate levels, are critical indicators of respiratory function and can serve as important features for mortality prediction. </a:t>
+            </a:r>
+          </a:p>
+          <a:p>
+            <a:pPr marL="285750" indent="-285750">
+              <a:buFont typeface="Arial" panose="020B0604020202020204" pitchFamily="34" charset="0"/>
+              <a:buChar char="•"/>
+            </a:pPr>
+            <a:r>
+              <a:rPr lang="en-US" sz="1600" dirty="0"/>
+              <a:t>This code filters ARF-specific lab events and merges the datasets.</a:t>
+            </a:r>
+          </a:p>
+          <a:p>
+            <a:pPr marL="285750" indent="-285750">
+              <a:buFont typeface="Arial" panose="020B0604020202020204" pitchFamily="34" charset="0"/>
+              <a:buChar char="•"/>
+            </a:pPr>
+            <a:r>
+              <a:rPr lang="en-US" sz="1600" dirty="0"/>
+              <a:t> To manage the large volume of lab event data efficiently, we processed it in chunks, ensuring memory optimization throughout the process.</a:t>
             </a:r>
           </a:p>
         </p:txBody>
@@ -10091,12 +10387,15 @@
           </a:bodyPr>
           <a:lstStyle/>
           <a:p>
-            <a:pPr marL="0" indent="0">
-              <a:buNone/>
-            </a:pPr>
-            <a:r>
-              <a:rPr lang="en-US" sz="1800" dirty="0"/>
-              <a:t>After loading and filtering the data, the columns include patient identifiers, admission details, lab test results, and demographic information related to Acute Respiratory Failure (ARF). The next step involves understanding, processing, and cleaning the data to ensure it's ready for modeling. This may include handling missing values, transforming variables, and ensuring consistency across datasets.</a:t>
+            <a:r>
+              <a:rPr lang="en-US" sz="1600" dirty="0"/>
+              <a:t>After loading and filtering the data, the columns include patient identifiers, admission details, lab test results, and demographic information related to ARF. </a:t>
+            </a:r>
+          </a:p>
+          <a:p>
+            <a:r>
+              <a:rPr lang="en-US" sz="1600" dirty="0"/>
+              <a:t>The next step involves understanding, processing, and cleaning the data to ensure it's ready for modeling. This may include handling missing values, transforming variables, and ensuring consistency across datasets.</a:t>
             </a:r>
           </a:p>
         </p:txBody>
@@ -10446,45 +10745,45 @@
               <a:buNone/>
             </a:pPr>
             <a:r>
-              <a:rPr lang="en-US" sz="1400" dirty="0"/>
+              <a:rPr lang="en-US" sz="1600" dirty="0"/>
               <a:t>Continuing data processing:</a:t>
             </a:r>
           </a:p>
           <a:p>
             <a:r>
-              <a:rPr lang="en-US" sz="1400" dirty="0"/>
+              <a:rPr lang="en-US" sz="1600" dirty="0"/>
               <a:t>Aggregate lab test results for each patient encounter.</a:t>
             </a:r>
           </a:p>
           <a:p>
             <a:r>
-              <a:rPr lang="en-US" sz="1400" dirty="0"/>
+              <a:rPr lang="en-US" sz="1600" dirty="0"/>
               <a:t>Transform lab test names into separate columns.</a:t>
             </a:r>
           </a:p>
           <a:p>
             <a:r>
-              <a:rPr lang="en-US" sz="1400" dirty="0"/>
+              <a:rPr lang="en-US" sz="1600" dirty="0"/>
               <a:t>Replace missing values (</a:t>
             </a:r>
             <a:r>
-              <a:rPr lang="en-US" sz="1400" dirty="0" err="1"/>
+              <a:rPr lang="en-US" sz="1600" dirty="0" err="1"/>
               <a:t>NaNs</a:t>
             </a:r>
             <a:r>
-              <a:rPr lang="en-US" sz="1400" dirty="0"/>
+              <a:rPr lang="en-US" sz="1600" dirty="0"/>
               <a:t>) with 0.</a:t>
             </a:r>
           </a:p>
           <a:p>
             <a:r>
-              <a:rPr lang="en-US" sz="1400" dirty="0"/>
+              <a:rPr lang="en-US" sz="1600" dirty="0"/>
               <a:t>Convert categorical features (admission type, insurance, race, gender, admission location, and marital status) into a binary format.</a:t>
             </a:r>
           </a:p>
           <a:p>
             <a:r>
-              <a:rPr lang="en-US" sz="1400" dirty="0"/>
+              <a:rPr lang="en-US" sz="1600" dirty="0"/>
               <a:t>Remove duplicates and reset indices to finalize the dataset for model training.</a:t>
             </a:r>
           </a:p>
